--- a/202107_EXP2/ATPase/ATPase.pptx
+++ b/202107_EXP2/ATPase/ATPase.pptx
@@ -2,12 +2,13 @@
 <file path=ppt/presentation.xml><?xml version="1.0" encoding="utf-8"?>
 <p:presentation xmlns:a="http://schemas.openxmlformats.org/drawingml/2006/main" xmlns:r="http://schemas.openxmlformats.org/officeDocument/2006/relationships" xmlns:p="http://schemas.openxmlformats.org/presentationml/2006/main" saveSubsetFonts="1">
   <p:sldMasterIdLst>
-    <p:sldMasterId id="2147483660" r:id="rId1"/>
+    <p:sldMasterId id="2147483684" r:id="rId1"/>
   </p:sldMasterIdLst>
   <p:sldIdLst>
     <p:sldId id="256" r:id="rId2"/>
+    <p:sldId id="257" r:id="rId3"/>
   </p:sldIdLst>
-  <p:sldSz cx="5486400" cy="5486400"/>
+  <p:sldSz cx="6400800" cy="4572000"/>
   <p:notesSz cx="6858000" cy="9144000"/>
   <p:defaultTextStyle>
     <a:defPPr>
@@ -141,15 +142,15 @@
         </p:nvSpPr>
         <p:spPr>
           <a:xfrm>
-            <a:off x="411480" y="897890"/>
-            <a:ext cx="4663440" cy="1910080"/>
+            <a:off x="480060" y="748242"/>
+            <a:ext cx="5440680" cy="1591733"/>
           </a:xfrm>
         </p:spPr>
         <p:txBody>
           <a:bodyPr anchor="b"/>
           <a:lstStyle>
             <a:lvl1pPr algn="ctr">
-              <a:defRPr sz="3600"/>
+              <a:defRPr sz="4000"/>
             </a:lvl1pPr>
           </a:lstStyle>
           <a:p>
@@ -173,8 +174,8 @@
         </p:nvSpPr>
         <p:spPr>
           <a:xfrm>
-            <a:off x="685800" y="2881630"/>
-            <a:ext cx="4114800" cy="1324610"/>
+            <a:off x="800100" y="2401359"/>
+            <a:ext cx="4800600" cy="1103841"/>
           </a:xfrm>
         </p:spPr>
         <p:txBody>
@@ -182,39 +183,39 @@
           <a:lstStyle>
             <a:lvl1pPr marL="0" indent="0" algn="ctr">
               <a:buNone/>
-              <a:defRPr sz="1440"/>
+              <a:defRPr sz="1600"/>
             </a:lvl1pPr>
-            <a:lvl2pPr marL="274320" indent="0" algn="ctr">
+            <a:lvl2pPr marL="304815" indent="0" algn="ctr">
+              <a:buNone/>
+              <a:defRPr sz="1333"/>
+            </a:lvl2pPr>
+            <a:lvl3pPr marL="609630" indent="0" algn="ctr">
               <a:buNone/>
               <a:defRPr sz="1200"/>
-            </a:lvl2pPr>
-            <a:lvl3pPr marL="548640" indent="0" algn="ctr">
+            </a:lvl3pPr>
+            <a:lvl4pPr marL="914446" indent="0" algn="ctr">
               <a:buNone/>
-              <a:defRPr sz="1080"/>
-            </a:lvl3pPr>
-            <a:lvl4pPr marL="822960" indent="0" algn="ctr">
+              <a:defRPr sz="1067"/>
+            </a:lvl4pPr>
+            <a:lvl5pPr marL="1219261" indent="0" algn="ctr">
               <a:buNone/>
-              <a:defRPr sz="960"/>
-            </a:lvl4pPr>
-            <a:lvl5pPr marL="1097280" indent="0" algn="ctr">
+              <a:defRPr sz="1067"/>
+            </a:lvl5pPr>
+            <a:lvl6pPr marL="1524076" indent="0" algn="ctr">
               <a:buNone/>
-              <a:defRPr sz="960"/>
-            </a:lvl5pPr>
-            <a:lvl6pPr marL="1371600" indent="0" algn="ctr">
+              <a:defRPr sz="1067"/>
+            </a:lvl6pPr>
+            <a:lvl7pPr marL="1828891" indent="0" algn="ctr">
               <a:buNone/>
-              <a:defRPr sz="960"/>
-            </a:lvl6pPr>
-            <a:lvl7pPr marL="1645920" indent="0" algn="ctr">
+              <a:defRPr sz="1067"/>
+            </a:lvl7pPr>
+            <a:lvl8pPr marL="2133707" indent="0" algn="ctr">
               <a:buNone/>
-              <a:defRPr sz="960"/>
-            </a:lvl7pPr>
-            <a:lvl8pPr marL="1920240" indent="0" algn="ctr">
+              <a:defRPr sz="1067"/>
+            </a:lvl8pPr>
+            <a:lvl9pPr marL="2438522" indent="0" algn="ctr">
               <a:buNone/>
-              <a:defRPr sz="960"/>
-            </a:lvl8pPr>
-            <a:lvl9pPr marL="2194560" indent="0" algn="ctr">
-              <a:buNone/>
-              <a:defRPr sz="960"/>
+              <a:defRPr sz="1067"/>
             </a:lvl9pPr>
           </a:lstStyle>
           <a:p>
@@ -243,7 +244,7 @@
           <a:p>
             <a:fld id="{9D45E311-2F8E-414E-9FBF-1D7D79D7EF43}" type="datetimeFigureOut">
               <a:rPr lang="en-US" smtClean="0"/>
-              <a:t>1/14/2022</a:t>
+              <a:t>1/31/2022</a:t>
             </a:fld>
             <a:endParaRPr lang="en-US"/>
           </a:p>
@@ -294,7 +295,7 @@
     </p:spTree>
     <p:extLst>
       <p:ext uri="{BB962C8B-B14F-4D97-AF65-F5344CB8AC3E}">
-        <p14:creationId xmlns:p14="http://schemas.microsoft.com/office/powerpoint/2010/main" val="2826838408"/>
+        <p14:creationId xmlns:p14="http://schemas.microsoft.com/office/powerpoint/2010/main" val="2703710551"/>
       </p:ext>
     </p:extLst>
   </p:cSld>
@@ -413,7 +414,7 @@
           <a:p>
             <a:fld id="{9D45E311-2F8E-414E-9FBF-1D7D79D7EF43}" type="datetimeFigureOut">
               <a:rPr lang="en-US" smtClean="0"/>
-              <a:t>1/14/2022</a:t>
+              <a:t>1/31/2022</a:t>
             </a:fld>
             <a:endParaRPr lang="en-US"/>
           </a:p>
@@ -464,7 +465,7 @@
     </p:spTree>
     <p:extLst>
       <p:ext uri="{BB962C8B-B14F-4D97-AF65-F5344CB8AC3E}">
-        <p14:creationId xmlns:p14="http://schemas.microsoft.com/office/powerpoint/2010/main" val="727662100"/>
+        <p14:creationId xmlns:p14="http://schemas.microsoft.com/office/powerpoint/2010/main" val="2106020435"/>
       </p:ext>
     </p:extLst>
   </p:cSld>
@@ -503,8 +504,8 @@
         </p:nvSpPr>
         <p:spPr>
           <a:xfrm>
-            <a:off x="3926205" y="292100"/>
-            <a:ext cx="1183005" cy="4649470"/>
+            <a:off x="4580573" y="243417"/>
+            <a:ext cx="1380173" cy="3874559"/>
           </a:xfrm>
         </p:spPr>
         <p:txBody>
@@ -531,8 +532,8 @@
         </p:nvSpPr>
         <p:spPr>
           <a:xfrm>
-            <a:off x="377190" y="292100"/>
-            <a:ext cx="3480435" cy="4649470"/>
+            <a:off x="440055" y="243417"/>
+            <a:ext cx="4060508" cy="3874559"/>
           </a:xfrm>
         </p:spPr>
         <p:txBody>
@@ -593,7 +594,7 @@
           <a:p>
             <a:fld id="{9D45E311-2F8E-414E-9FBF-1D7D79D7EF43}" type="datetimeFigureOut">
               <a:rPr lang="en-US" smtClean="0"/>
-              <a:t>1/14/2022</a:t>
+              <a:t>1/31/2022</a:t>
             </a:fld>
             <a:endParaRPr lang="en-US"/>
           </a:p>
@@ -644,7 +645,7 @@
     </p:spTree>
     <p:extLst>
       <p:ext uri="{BB962C8B-B14F-4D97-AF65-F5344CB8AC3E}">
-        <p14:creationId xmlns:p14="http://schemas.microsoft.com/office/powerpoint/2010/main" val="1837705591"/>
+        <p14:creationId xmlns:p14="http://schemas.microsoft.com/office/powerpoint/2010/main" val="1502992028"/>
       </p:ext>
     </p:extLst>
   </p:cSld>
@@ -763,7 +764,7 @@
           <a:p>
             <a:fld id="{9D45E311-2F8E-414E-9FBF-1D7D79D7EF43}" type="datetimeFigureOut">
               <a:rPr lang="en-US" smtClean="0"/>
-              <a:t>1/14/2022</a:t>
+              <a:t>1/31/2022</a:t>
             </a:fld>
             <a:endParaRPr lang="en-US"/>
           </a:p>
@@ -814,7 +815,7 @@
     </p:spTree>
     <p:extLst>
       <p:ext uri="{BB962C8B-B14F-4D97-AF65-F5344CB8AC3E}">
-        <p14:creationId xmlns:p14="http://schemas.microsoft.com/office/powerpoint/2010/main" val="709649358"/>
+        <p14:creationId xmlns:p14="http://schemas.microsoft.com/office/powerpoint/2010/main" val="2150337218"/>
       </p:ext>
     </p:extLst>
   </p:cSld>
@@ -853,15 +854,15 @@
         </p:nvSpPr>
         <p:spPr>
           <a:xfrm>
-            <a:off x="374333" y="1367791"/>
-            <a:ext cx="4732020" cy="2282190"/>
+            <a:off x="436722" y="1139826"/>
+            <a:ext cx="5520690" cy="1901825"/>
           </a:xfrm>
         </p:spPr>
         <p:txBody>
           <a:bodyPr anchor="b"/>
           <a:lstStyle>
             <a:lvl1pPr>
-              <a:defRPr sz="3600"/>
+              <a:defRPr sz="4000"/>
             </a:lvl1pPr>
           </a:lstStyle>
           <a:p>
@@ -885,8 +886,8 @@
         </p:nvSpPr>
         <p:spPr>
           <a:xfrm>
-            <a:off x="374333" y="3671571"/>
-            <a:ext cx="4732020" cy="1200150"/>
+            <a:off x="436722" y="3059643"/>
+            <a:ext cx="5520690" cy="1000125"/>
           </a:xfrm>
         </p:spPr>
         <p:txBody>
@@ -894,13 +895,23 @@
           <a:lstStyle>
             <a:lvl1pPr marL="0" indent="0">
               <a:buNone/>
-              <a:defRPr sz="1440">
+              <a:defRPr sz="1600">
                 <a:solidFill>
                   <a:schemeClr val="tx1"/>
                 </a:solidFill>
               </a:defRPr>
             </a:lvl1pPr>
-            <a:lvl2pPr marL="274320" indent="0">
+            <a:lvl2pPr marL="304815" indent="0">
+              <a:buNone/>
+              <a:defRPr sz="1333">
+                <a:solidFill>
+                  <a:schemeClr val="tx1">
+                    <a:tint val="75000"/>
+                  </a:schemeClr>
+                </a:solidFill>
+              </a:defRPr>
+            </a:lvl2pPr>
+            <a:lvl3pPr marL="609630" indent="0">
               <a:buNone/>
               <a:defRPr sz="1200">
                 <a:solidFill>
@@ -909,20 +920,10 @@
                   </a:schemeClr>
                 </a:solidFill>
               </a:defRPr>
-            </a:lvl2pPr>
-            <a:lvl3pPr marL="548640" indent="0">
+            </a:lvl3pPr>
+            <a:lvl4pPr marL="914446" indent="0">
               <a:buNone/>
-              <a:defRPr sz="1080">
-                <a:solidFill>
-                  <a:schemeClr val="tx1">
-                    <a:tint val="75000"/>
-                  </a:schemeClr>
-                </a:solidFill>
-              </a:defRPr>
-            </a:lvl3pPr>
-            <a:lvl4pPr marL="822960" indent="0">
-              <a:buNone/>
-              <a:defRPr sz="960">
+              <a:defRPr sz="1067">
                 <a:solidFill>
                   <a:schemeClr val="tx1">
                     <a:tint val="75000"/>
@@ -930,9 +931,9 @@
                 </a:solidFill>
               </a:defRPr>
             </a:lvl4pPr>
-            <a:lvl5pPr marL="1097280" indent="0">
+            <a:lvl5pPr marL="1219261" indent="0">
               <a:buNone/>
-              <a:defRPr sz="960">
+              <a:defRPr sz="1067">
                 <a:solidFill>
                   <a:schemeClr val="tx1">
                     <a:tint val="75000"/>
@@ -940,9 +941,9 @@
                 </a:solidFill>
               </a:defRPr>
             </a:lvl5pPr>
-            <a:lvl6pPr marL="1371600" indent="0">
+            <a:lvl6pPr marL="1524076" indent="0">
               <a:buNone/>
-              <a:defRPr sz="960">
+              <a:defRPr sz="1067">
                 <a:solidFill>
                   <a:schemeClr val="tx1">
                     <a:tint val="75000"/>
@@ -950,9 +951,9 @@
                 </a:solidFill>
               </a:defRPr>
             </a:lvl6pPr>
-            <a:lvl7pPr marL="1645920" indent="0">
+            <a:lvl7pPr marL="1828891" indent="0">
               <a:buNone/>
-              <a:defRPr sz="960">
+              <a:defRPr sz="1067">
                 <a:solidFill>
                   <a:schemeClr val="tx1">
                     <a:tint val="75000"/>
@@ -960,9 +961,9 @@
                 </a:solidFill>
               </a:defRPr>
             </a:lvl7pPr>
-            <a:lvl8pPr marL="1920240" indent="0">
+            <a:lvl8pPr marL="2133707" indent="0">
               <a:buNone/>
-              <a:defRPr sz="960">
+              <a:defRPr sz="1067">
                 <a:solidFill>
                   <a:schemeClr val="tx1">
                     <a:tint val="75000"/>
@@ -970,9 +971,9 @@
                 </a:solidFill>
               </a:defRPr>
             </a:lvl8pPr>
-            <a:lvl9pPr marL="2194560" indent="0">
+            <a:lvl9pPr marL="2438522" indent="0">
               <a:buNone/>
-              <a:defRPr sz="960">
+              <a:defRPr sz="1067">
                 <a:solidFill>
                   <a:schemeClr val="tx1">
                     <a:tint val="75000"/>
@@ -1007,7 +1008,7 @@
           <a:p>
             <a:fld id="{9D45E311-2F8E-414E-9FBF-1D7D79D7EF43}" type="datetimeFigureOut">
               <a:rPr lang="en-US" smtClean="0"/>
-              <a:t>1/14/2022</a:t>
+              <a:t>1/31/2022</a:t>
             </a:fld>
             <a:endParaRPr lang="en-US"/>
           </a:p>
@@ -1058,7 +1059,7 @@
     </p:spTree>
     <p:extLst>
       <p:ext uri="{BB962C8B-B14F-4D97-AF65-F5344CB8AC3E}">
-        <p14:creationId xmlns:p14="http://schemas.microsoft.com/office/powerpoint/2010/main" val="888941479"/>
+        <p14:creationId xmlns:p14="http://schemas.microsoft.com/office/powerpoint/2010/main" val="207215689"/>
       </p:ext>
     </p:extLst>
   </p:cSld>
@@ -1120,8 +1121,8 @@
         </p:nvSpPr>
         <p:spPr>
           <a:xfrm>
-            <a:off x="377190" y="1460500"/>
-            <a:ext cx="2331720" cy="3481070"/>
+            <a:off x="440055" y="1217083"/>
+            <a:ext cx="2720340" cy="2900892"/>
           </a:xfrm>
         </p:spPr>
         <p:txBody>
@@ -1177,8 +1178,8 @@
         </p:nvSpPr>
         <p:spPr>
           <a:xfrm>
-            <a:off x="2777490" y="1460500"/>
-            <a:ext cx="2331720" cy="3481070"/>
+            <a:off x="3240405" y="1217083"/>
+            <a:ext cx="2720340" cy="2900892"/>
           </a:xfrm>
         </p:spPr>
         <p:txBody>
@@ -1239,7 +1240,7 @@
           <a:p>
             <a:fld id="{9D45E311-2F8E-414E-9FBF-1D7D79D7EF43}" type="datetimeFigureOut">
               <a:rPr lang="en-US" smtClean="0"/>
-              <a:t>1/14/2022</a:t>
+              <a:t>1/31/2022</a:t>
             </a:fld>
             <a:endParaRPr lang="en-US"/>
           </a:p>
@@ -1290,7 +1291,7 @@
     </p:spTree>
     <p:extLst>
       <p:ext uri="{BB962C8B-B14F-4D97-AF65-F5344CB8AC3E}">
-        <p14:creationId xmlns:p14="http://schemas.microsoft.com/office/powerpoint/2010/main" val="2565178994"/>
+        <p14:creationId xmlns:p14="http://schemas.microsoft.com/office/powerpoint/2010/main" val="3600273936"/>
       </p:ext>
     </p:extLst>
   </p:cSld>
@@ -1329,8 +1330,8 @@
         </p:nvSpPr>
         <p:spPr>
           <a:xfrm>
-            <a:off x="377905" y="292101"/>
-            <a:ext cx="4732020" cy="1060450"/>
+            <a:off x="440889" y="243418"/>
+            <a:ext cx="5520690" cy="883709"/>
           </a:xfrm>
         </p:spPr>
         <p:txBody>
@@ -1357,8 +1358,8 @@
         </p:nvSpPr>
         <p:spPr>
           <a:xfrm>
-            <a:off x="377905" y="1344930"/>
-            <a:ext cx="2321004" cy="659130"/>
+            <a:off x="440889" y="1120775"/>
+            <a:ext cx="2707838" cy="549275"/>
           </a:xfrm>
         </p:spPr>
         <p:txBody>
@@ -1366,39 +1367,39 @@
           <a:lstStyle>
             <a:lvl1pPr marL="0" indent="0">
               <a:buNone/>
-              <a:defRPr sz="1440" b="1"/>
+              <a:defRPr sz="1600" b="1"/>
             </a:lvl1pPr>
-            <a:lvl2pPr marL="274320" indent="0">
+            <a:lvl2pPr marL="304815" indent="0">
+              <a:buNone/>
+              <a:defRPr sz="1333" b="1"/>
+            </a:lvl2pPr>
+            <a:lvl3pPr marL="609630" indent="0">
               <a:buNone/>
               <a:defRPr sz="1200" b="1"/>
-            </a:lvl2pPr>
-            <a:lvl3pPr marL="548640" indent="0">
+            </a:lvl3pPr>
+            <a:lvl4pPr marL="914446" indent="0">
               <a:buNone/>
-              <a:defRPr sz="1080" b="1"/>
-            </a:lvl3pPr>
-            <a:lvl4pPr marL="822960" indent="0">
+              <a:defRPr sz="1067" b="1"/>
+            </a:lvl4pPr>
+            <a:lvl5pPr marL="1219261" indent="0">
               <a:buNone/>
-              <a:defRPr sz="960" b="1"/>
-            </a:lvl4pPr>
-            <a:lvl5pPr marL="1097280" indent="0">
+              <a:defRPr sz="1067" b="1"/>
+            </a:lvl5pPr>
+            <a:lvl6pPr marL="1524076" indent="0">
               <a:buNone/>
-              <a:defRPr sz="960" b="1"/>
-            </a:lvl5pPr>
-            <a:lvl6pPr marL="1371600" indent="0">
+              <a:defRPr sz="1067" b="1"/>
+            </a:lvl6pPr>
+            <a:lvl7pPr marL="1828891" indent="0">
               <a:buNone/>
-              <a:defRPr sz="960" b="1"/>
-            </a:lvl6pPr>
-            <a:lvl7pPr marL="1645920" indent="0">
+              <a:defRPr sz="1067" b="1"/>
+            </a:lvl7pPr>
+            <a:lvl8pPr marL="2133707" indent="0">
               <a:buNone/>
-              <a:defRPr sz="960" b="1"/>
-            </a:lvl7pPr>
-            <a:lvl8pPr marL="1920240" indent="0">
+              <a:defRPr sz="1067" b="1"/>
+            </a:lvl8pPr>
+            <a:lvl9pPr marL="2438522" indent="0">
               <a:buNone/>
-              <a:defRPr sz="960" b="1"/>
-            </a:lvl8pPr>
-            <a:lvl9pPr marL="2194560" indent="0">
-              <a:buNone/>
-              <a:defRPr sz="960" b="1"/>
+              <a:defRPr sz="1067" b="1"/>
             </a:lvl9pPr>
           </a:lstStyle>
           <a:p>
@@ -1422,8 +1423,8 @@
         </p:nvSpPr>
         <p:spPr>
           <a:xfrm>
-            <a:off x="377905" y="2004060"/>
-            <a:ext cx="2321004" cy="2947670"/>
+            <a:off x="440889" y="1670050"/>
+            <a:ext cx="2707838" cy="2456392"/>
           </a:xfrm>
         </p:spPr>
         <p:txBody>
@@ -1479,8 +1480,8 @@
         </p:nvSpPr>
         <p:spPr>
           <a:xfrm>
-            <a:off x="2777490" y="1344930"/>
-            <a:ext cx="2332435" cy="659130"/>
+            <a:off x="3240405" y="1120775"/>
+            <a:ext cx="2721174" cy="549275"/>
           </a:xfrm>
         </p:spPr>
         <p:txBody>
@@ -1488,39 +1489,39 @@
           <a:lstStyle>
             <a:lvl1pPr marL="0" indent="0">
               <a:buNone/>
-              <a:defRPr sz="1440" b="1"/>
+              <a:defRPr sz="1600" b="1"/>
             </a:lvl1pPr>
-            <a:lvl2pPr marL="274320" indent="0">
+            <a:lvl2pPr marL="304815" indent="0">
+              <a:buNone/>
+              <a:defRPr sz="1333" b="1"/>
+            </a:lvl2pPr>
+            <a:lvl3pPr marL="609630" indent="0">
               <a:buNone/>
               <a:defRPr sz="1200" b="1"/>
-            </a:lvl2pPr>
-            <a:lvl3pPr marL="548640" indent="0">
+            </a:lvl3pPr>
+            <a:lvl4pPr marL="914446" indent="0">
               <a:buNone/>
-              <a:defRPr sz="1080" b="1"/>
-            </a:lvl3pPr>
-            <a:lvl4pPr marL="822960" indent="0">
+              <a:defRPr sz="1067" b="1"/>
+            </a:lvl4pPr>
+            <a:lvl5pPr marL="1219261" indent="0">
               <a:buNone/>
-              <a:defRPr sz="960" b="1"/>
-            </a:lvl4pPr>
-            <a:lvl5pPr marL="1097280" indent="0">
+              <a:defRPr sz="1067" b="1"/>
+            </a:lvl5pPr>
+            <a:lvl6pPr marL="1524076" indent="0">
               <a:buNone/>
-              <a:defRPr sz="960" b="1"/>
-            </a:lvl5pPr>
-            <a:lvl6pPr marL="1371600" indent="0">
+              <a:defRPr sz="1067" b="1"/>
+            </a:lvl6pPr>
+            <a:lvl7pPr marL="1828891" indent="0">
               <a:buNone/>
-              <a:defRPr sz="960" b="1"/>
-            </a:lvl6pPr>
-            <a:lvl7pPr marL="1645920" indent="0">
+              <a:defRPr sz="1067" b="1"/>
+            </a:lvl7pPr>
+            <a:lvl8pPr marL="2133707" indent="0">
               <a:buNone/>
-              <a:defRPr sz="960" b="1"/>
-            </a:lvl7pPr>
-            <a:lvl8pPr marL="1920240" indent="0">
+              <a:defRPr sz="1067" b="1"/>
+            </a:lvl8pPr>
+            <a:lvl9pPr marL="2438522" indent="0">
               <a:buNone/>
-              <a:defRPr sz="960" b="1"/>
-            </a:lvl8pPr>
-            <a:lvl9pPr marL="2194560" indent="0">
-              <a:buNone/>
-              <a:defRPr sz="960" b="1"/>
+              <a:defRPr sz="1067" b="1"/>
             </a:lvl9pPr>
           </a:lstStyle>
           <a:p>
@@ -1544,8 +1545,8 @@
         </p:nvSpPr>
         <p:spPr>
           <a:xfrm>
-            <a:off x="2777490" y="2004060"/>
-            <a:ext cx="2332435" cy="2947670"/>
+            <a:off x="3240405" y="1670050"/>
+            <a:ext cx="2721174" cy="2456392"/>
           </a:xfrm>
         </p:spPr>
         <p:txBody>
@@ -1606,7 +1607,7 @@
           <a:p>
             <a:fld id="{9D45E311-2F8E-414E-9FBF-1D7D79D7EF43}" type="datetimeFigureOut">
               <a:rPr lang="en-US" smtClean="0"/>
-              <a:t>1/14/2022</a:t>
+              <a:t>1/31/2022</a:t>
             </a:fld>
             <a:endParaRPr lang="en-US"/>
           </a:p>
@@ -1657,7 +1658,7 @@
     </p:spTree>
     <p:extLst>
       <p:ext uri="{BB962C8B-B14F-4D97-AF65-F5344CB8AC3E}">
-        <p14:creationId xmlns:p14="http://schemas.microsoft.com/office/powerpoint/2010/main" val="1747714603"/>
+        <p14:creationId xmlns:p14="http://schemas.microsoft.com/office/powerpoint/2010/main" val="644162033"/>
       </p:ext>
     </p:extLst>
   </p:cSld>
@@ -1724,7 +1725,7 @@
           <a:p>
             <a:fld id="{9D45E311-2F8E-414E-9FBF-1D7D79D7EF43}" type="datetimeFigureOut">
               <a:rPr lang="en-US" smtClean="0"/>
-              <a:t>1/14/2022</a:t>
+              <a:t>1/31/2022</a:t>
             </a:fld>
             <a:endParaRPr lang="en-US"/>
           </a:p>
@@ -1775,7 +1776,7 @@
     </p:spTree>
     <p:extLst>
       <p:ext uri="{BB962C8B-B14F-4D97-AF65-F5344CB8AC3E}">
-        <p14:creationId xmlns:p14="http://schemas.microsoft.com/office/powerpoint/2010/main" val="1263844202"/>
+        <p14:creationId xmlns:p14="http://schemas.microsoft.com/office/powerpoint/2010/main" val="3334449789"/>
       </p:ext>
     </p:extLst>
   </p:cSld>
@@ -1819,7 +1820,7 @@
           <a:p>
             <a:fld id="{9D45E311-2F8E-414E-9FBF-1D7D79D7EF43}" type="datetimeFigureOut">
               <a:rPr lang="en-US" smtClean="0"/>
-              <a:t>1/14/2022</a:t>
+              <a:t>1/31/2022</a:t>
             </a:fld>
             <a:endParaRPr lang="en-US"/>
           </a:p>
@@ -1870,7 +1871,7 @@
     </p:spTree>
     <p:extLst>
       <p:ext uri="{BB962C8B-B14F-4D97-AF65-F5344CB8AC3E}">
-        <p14:creationId xmlns:p14="http://schemas.microsoft.com/office/powerpoint/2010/main" val="2467200150"/>
+        <p14:creationId xmlns:p14="http://schemas.microsoft.com/office/powerpoint/2010/main" val="4128844858"/>
       </p:ext>
     </p:extLst>
   </p:cSld>
@@ -1909,15 +1910,15 @@
         </p:nvSpPr>
         <p:spPr>
           <a:xfrm>
-            <a:off x="377905" y="365760"/>
-            <a:ext cx="1769507" cy="1280160"/>
+            <a:off x="440889" y="304800"/>
+            <a:ext cx="2064425" cy="1066800"/>
           </a:xfrm>
         </p:spPr>
         <p:txBody>
           <a:bodyPr anchor="b"/>
           <a:lstStyle>
             <a:lvl1pPr>
-              <a:defRPr sz="1920"/>
+              <a:defRPr sz="2133"/>
             </a:lvl1pPr>
           </a:lstStyle>
           <a:p>
@@ -1941,39 +1942,39 @@
         </p:nvSpPr>
         <p:spPr>
           <a:xfrm>
-            <a:off x="2332435" y="789941"/>
-            <a:ext cx="2777490" cy="3898900"/>
+            <a:off x="2721174" y="658285"/>
+            <a:ext cx="3240405" cy="3249083"/>
           </a:xfrm>
         </p:spPr>
         <p:txBody>
           <a:bodyPr/>
           <a:lstStyle>
             <a:lvl1pPr>
-              <a:defRPr sz="1920"/>
+              <a:defRPr sz="2133"/>
             </a:lvl1pPr>
             <a:lvl2pPr>
-              <a:defRPr sz="1680"/>
+              <a:defRPr sz="1867"/>
             </a:lvl2pPr>
             <a:lvl3pPr>
-              <a:defRPr sz="1440"/>
+              <a:defRPr sz="1600"/>
             </a:lvl3pPr>
             <a:lvl4pPr>
-              <a:defRPr sz="1200"/>
+              <a:defRPr sz="1333"/>
             </a:lvl4pPr>
             <a:lvl5pPr>
-              <a:defRPr sz="1200"/>
+              <a:defRPr sz="1333"/>
             </a:lvl5pPr>
             <a:lvl6pPr>
-              <a:defRPr sz="1200"/>
+              <a:defRPr sz="1333"/>
             </a:lvl6pPr>
             <a:lvl7pPr>
-              <a:defRPr sz="1200"/>
+              <a:defRPr sz="1333"/>
             </a:lvl7pPr>
             <a:lvl8pPr>
-              <a:defRPr sz="1200"/>
+              <a:defRPr sz="1333"/>
             </a:lvl8pPr>
             <a:lvl9pPr>
-              <a:defRPr sz="1200"/>
+              <a:defRPr sz="1333"/>
             </a:lvl9pPr>
           </a:lstStyle>
           <a:p>
@@ -2026,8 +2027,8 @@
         </p:nvSpPr>
         <p:spPr>
           <a:xfrm>
-            <a:off x="377905" y="1645920"/>
-            <a:ext cx="1769507" cy="3049270"/>
+            <a:off x="440889" y="1371600"/>
+            <a:ext cx="2064425" cy="2541059"/>
           </a:xfrm>
         </p:spPr>
         <p:txBody>
@@ -2035,39 +2036,39 @@
           <a:lstStyle>
             <a:lvl1pPr marL="0" indent="0">
               <a:buNone/>
-              <a:defRPr sz="960"/>
+              <a:defRPr sz="1067"/>
             </a:lvl1pPr>
-            <a:lvl2pPr marL="274320" indent="0">
+            <a:lvl2pPr marL="304815" indent="0">
               <a:buNone/>
-              <a:defRPr sz="840"/>
+              <a:defRPr sz="933"/>
             </a:lvl2pPr>
-            <a:lvl3pPr marL="548640" indent="0">
+            <a:lvl3pPr marL="609630" indent="0">
               <a:buNone/>
-              <a:defRPr sz="720"/>
+              <a:defRPr sz="800"/>
             </a:lvl3pPr>
-            <a:lvl4pPr marL="822960" indent="0">
+            <a:lvl4pPr marL="914446" indent="0">
               <a:buNone/>
-              <a:defRPr sz="600"/>
+              <a:defRPr sz="667"/>
             </a:lvl4pPr>
-            <a:lvl5pPr marL="1097280" indent="0">
+            <a:lvl5pPr marL="1219261" indent="0">
               <a:buNone/>
-              <a:defRPr sz="600"/>
+              <a:defRPr sz="667"/>
             </a:lvl5pPr>
-            <a:lvl6pPr marL="1371600" indent="0">
+            <a:lvl6pPr marL="1524076" indent="0">
               <a:buNone/>
-              <a:defRPr sz="600"/>
+              <a:defRPr sz="667"/>
             </a:lvl6pPr>
-            <a:lvl7pPr marL="1645920" indent="0">
+            <a:lvl7pPr marL="1828891" indent="0">
               <a:buNone/>
-              <a:defRPr sz="600"/>
+              <a:defRPr sz="667"/>
             </a:lvl7pPr>
-            <a:lvl8pPr marL="1920240" indent="0">
+            <a:lvl8pPr marL="2133707" indent="0">
               <a:buNone/>
-              <a:defRPr sz="600"/>
+              <a:defRPr sz="667"/>
             </a:lvl8pPr>
-            <a:lvl9pPr marL="2194560" indent="0">
+            <a:lvl9pPr marL="2438522" indent="0">
               <a:buNone/>
-              <a:defRPr sz="600"/>
+              <a:defRPr sz="667"/>
             </a:lvl9pPr>
           </a:lstStyle>
           <a:p>
@@ -2096,7 +2097,7 @@
           <a:p>
             <a:fld id="{9D45E311-2F8E-414E-9FBF-1D7D79D7EF43}" type="datetimeFigureOut">
               <a:rPr lang="en-US" smtClean="0"/>
-              <a:t>1/14/2022</a:t>
+              <a:t>1/31/2022</a:t>
             </a:fld>
             <a:endParaRPr lang="en-US"/>
           </a:p>
@@ -2147,7 +2148,7 @@
     </p:spTree>
     <p:extLst>
       <p:ext uri="{BB962C8B-B14F-4D97-AF65-F5344CB8AC3E}">
-        <p14:creationId xmlns:p14="http://schemas.microsoft.com/office/powerpoint/2010/main" val="3504534380"/>
+        <p14:creationId xmlns:p14="http://schemas.microsoft.com/office/powerpoint/2010/main" val="2290525223"/>
       </p:ext>
     </p:extLst>
   </p:cSld>
@@ -2186,15 +2187,15 @@
         </p:nvSpPr>
         <p:spPr>
           <a:xfrm>
-            <a:off x="377905" y="365760"/>
-            <a:ext cx="1769507" cy="1280160"/>
+            <a:off x="440889" y="304800"/>
+            <a:ext cx="2064425" cy="1066800"/>
           </a:xfrm>
         </p:spPr>
         <p:txBody>
           <a:bodyPr anchor="b"/>
           <a:lstStyle>
             <a:lvl1pPr>
-              <a:defRPr sz="1920"/>
+              <a:defRPr sz="2133"/>
             </a:lvl1pPr>
           </a:lstStyle>
           <a:p>
@@ -2218,8 +2219,8 @@
         </p:nvSpPr>
         <p:spPr>
           <a:xfrm>
-            <a:off x="2332435" y="789941"/>
-            <a:ext cx="2777490" cy="3898900"/>
+            <a:off x="2721174" y="658285"/>
+            <a:ext cx="3240405" cy="3249083"/>
           </a:xfrm>
         </p:spPr>
         <p:txBody>
@@ -2227,39 +2228,39 @@
           <a:lstStyle>
             <a:lvl1pPr marL="0" indent="0">
               <a:buNone/>
-              <a:defRPr sz="1920"/>
+              <a:defRPr sz="2133"/>
             </a:lvl1pPr>
-            <a:lvl2pPr marL="274320" indent="0">
+            <a:lvl2pPr marL="304815" indent="0">
               <a:buNone/>
-              <a:defRPr sz="1680"/>
+              <a:defRPr sz="1867"/>
             </a:lvl2pPr>
-            <a:lvl3pPr marL="548640" indent="0">
+            <a:lvl3pPr marL="609630" indent="0">
               <a:buNone/>
-              <a:defRPr sz="1440"/>
+              <a:defRPr sz="1600"/>
             </a:lvl3pPr>
-            <a:lvl4pPr marL="822960" indent="0">
+            <a:lvl4pPr marL="914446" indent="0">
               <a:buNone/>
-              <a:defRPr sz="1200"/>
+              <a:defRPr sz="1333"/>
             </a:lvl4pPr>
-            <a:lvl5pPr marL="1097280" indent="0">
+            <a:lvl5pPr marL="1219261" indent="0">
               <a:buNone/>
-              <a:defRPr sz="1200"/>
+              <a:defRPr sz="1333"/>
             </a:lvl5pPr>
-            <a:lvl6pPr marL="1371600" indent="0">
+            <a:lvl6pPr marL="1524076" indent="0">
               <a:buNone/>
-              <a:defRPr sz="1200"/>
+              <a:defRPr sz="1333"/>
             </a:lvl6pPr>
-            <a:lvl7pPr marL="1645920" indent="0">
+            <a:lvl7pPr marL="1828891" indent="0">
               <a:buNone/>
-              <a:defRPr sz="1200"/>
+              <a:defRPr sz="1333"/>
             </a:lvl7pPr>
-            <a:lvl8pPr marL="1920240" indent="0">
+            <a:lvl8pPr marL="2133707" indent="0">
               <a:buNone/>
-              <a:defRPr sz="1200"/>
+              <a:defRPr sz="1333"/>
             </a:lvl8pPr>
-            <a:lvl9pPr marL="2194560" indent="0">
+            <a:lvl9pPr marL="2438522" indent="0">
               <a:buNone/>
-              <a:defRPr sz="1200"/>
+              <a:defRPr sz="1333"/>
             </a:lvl9pPr>
           </a:lstStyle>
           <a:p>
@@ -2283,8 +2284,8 @@
         </p:nvSpPr>
         <p:spPr>
           <a:xfrm>
-            <a:off x="377905" y="1645920"/>
-            <a:ext cx="1769507" cy="3049270"/>
+            <a:off x="440889" y="1371600"/>
+            <a:ext cx="2064425" cy="2541059"/>
           </a:xfrm>
         </p:spPr>
         <p:txBody>
@@ -2292,39 +2293,39 @@
           <a:lstStyle>
             <a:lvl1pPr marL="0" indent="0">
               <a:buNone/>
-              <a:defRPr sz="960"/>
+              <a:defRPr sz="1067"/>
             </a:lvl1pPr>
-            <a:lvl2pPr marL="274320" indent="0">
+            <a:lvl2pPr marL="304815" indent="0">
               <a:buNone/>
-              <a:defRPr sz="840"/>
+              <a:defRPr sz="933"/>
             </a:lvl2pPr>
-            <a:lvl3pPr marL="548640" indent="0">
+            <a:lvl3pPr marL="609630" indent="0">
               <a:buNone/>
-              <a:defRPr sz="720"/>
+              <a:defRPr sz="800"/>
             </a:lvl3pPr>
-            <a:lvl4pPr marL="822960" indent="0">
+            <a:lvl4pPr marL="914446" indent="0">
               <a:buNone/>
-              <a:defRPr sz="600"/>
+              <a:defRPr sz="667"/>
             </a:lvl4pPr>
-            <a:lvl5pPr marL="1097280" indent="0">
+            <a:lvl5pPr marL="1219261" indent="0">
               <a:buNone/>
-              <a:defRPr sz="600"/>
+              <a:defRPr sz="667"/>
             </a:lvl5pPr>
-            <a:lvl6pPr marL="1371600" indent="0">
+            <a:lvl6pPr marL="1524076" indent="0">
               <a:buNone/>
-              <a:defRPr sz="600"/>
+              <a:defRPr sz="667"/>
             </a:lvl6pPr>
-            <a:lvl7pPr marL="1645920" indent="0">
+            <a:lvl7pPr marL="1828891" indent="0">
               <a:buNone/>
-              <a:defRPr sz="600"/>
+              <a:defRPr sz="667"/>
             </a:lvl7pPr>
-            <a:lvl8pPr marL="1920240" indent="0">
+            <a:lvl8pPr marL="2133707" indent="0">
               <a:buNone/>
-              <a:defRPr sz="600"/>
+              <a:defRPr sz="667"/>
             </a:lvl8pPr>
-            <a:lvl9pPr marL="2194560" indent="0">
+            <a:lvl9pPr marL="2438522" indent="0">
               <a:buNone/>
-              <a:defRPr sz="600"/>
+              <a:defRPr sz="667"/>
             </a:lvl9pPr>
           </a:lstStyle>
           <a:p>
@@ -2353,7 +2354,7 @@
           <a:p>
             <a:fld id="{9D45E311-2F8E-414E-9FBF-1D7D79D7EF43}" type="datetimeFigureOut">
               <a:rPr lang="en-US" smtClean="0"/>
-              <a:t>1/14/2022</a:t>
+              <a:t>1/31/2022</a:t>
             </a:fld>
             <a:endParaRPr lang="en-US"/>
           </a:p>
@@ -2404,7 +2405,7 @@
     </p:spTree>
     <p:extLst>
       <p:ext uri="{BB962C8B-B14F-4D97-AF65-F5344CB8AC3E}">
-        <p14:creationId xmlns:p14="http://schemas.microsoft.com/office/powerpoint/2010/main" val="3585649881"/>
+        <p14:creationId xmlns:p14="http://schemas.microsoft.com/office/powerpoint/2010/main" val="313565303"/>
       </p:ext>
     </p:extLst>
   </p:cSld>
@@ -2448,8 +2449,8 @@
         </p:nvSpPr>
         <p:spPr>
           <a:xfrm>
-            <a:off x="377190" y="292101"/>
-            <a:ext cx="4732020" cy="1060450"/>
+            <a:off x="440055" y="243418"/>
+            <a:ext cx="5520690" cy="883709"/>
           </a:xfrm>
           <a:prstGeom prst="rect">
             <a:avLst/>
@@ -2481,8 +2482,8 @@
         </p:nvSpPr>
         <p:spPr>
           <a:xfrm>
-            <a:off x="377190" y="1460500"/>
-            <a:ext cx="4732020" cy="3481070"/>
+            <a:off x="440055" y="1217083"/>
+            <a:ext cx="5520690" cy="2900892"/>
           </a:xfrm>
           <a:prstGeom prst="rect">
             <a:avLst/>
@@ -2543,8 +2544,8 @@
         </p:nvSpPr>
         <p:spPr>
           <a:xfrm>
-            <a:off x="377190" y="5085081"/>
-            <a:ext cx="1234440" cy="292100"/>
+            <a:off x="440055" y="4237568"/>
+            <a:ext cx="1440180" cy="243417"/>
           </a:xfrm>
           <a:prstGeom prst="rect">
             <a:avLst/>
@@ -2554,7 +2555,7 @@
           <a:bodyPr vert="horz" lIns="91440" tIns="45720" rIns="91440" bIns="45720" rtlCol="0" anchor="ctr"/>
           <a:lstStyle>
             <a:lvl1pPr algn="l">
-              <a:defRPr sz="720">
+              <a:defRPr sz="800">
                 <a:solidFill>
                   <a:schemeClr val="tx1">
                     <a:tint val="75000"/>
@@ -2566,7 +2567,7 @@
           <a:p>
             <a:fld id="{9D45E311-2F8E-414E-9FBF-1D7D79D7EF43}" type="datetimeFigureOut">
               <a:rPr lang="en-US" smtClean="0"/>
-              <a:t>1/14/2022</a:t>
+              <a:t>1/31/2022</a:t>
             </a:fld>
             <a:endParaRPr lang="en-US"/>
           </a:p>
@@ -2584,8 +2585,8 @@
         </p:nvSpPr>
         <p:spPr>
           <a:xfrm>
-            <a:off x="1817370" y="5085081"/>
-            <a:ext cx="1851660" cy="292100"/>
+            <a:off x="2120265" y="4237568"/>
+            <a:ext cx="2160270" cy="243417"/>
           </a:xfrm>
           <a:prstGeom prst="rect">
             <a:avLst/>
@@ -2595,7 +2596,7 @@
           <a:bodyPr vert="horz" lIns="91440" tIns="45720" rIns="91440" bIns="45720" rtlCol="0" anchor="ctr"/>
           <a:lstStyle>
             <a:lvl1pPr algn="ctr">
-              <a:defRPr sz="720">
+              <a:defRPr sz="800">
                 <a:solidFill>
                   <a:schemeClr val="tx1">
                     <a:tint val="75000"/>
@@ -2621,8 +2622,8 @@
         </p:nvSpPr>
         <p:spPr>
           <a:xfrm>
-            <a:off x="3874770" y="5085081"/>
-            <a:ext cx="1234440" cy="292100"/>
+            <a:off x="4520565" y="4237568"/>
+            <a:ext cx="1440180" cy="243417"/>
           </a:xfrm>
           <a:prstGeom prst="rect">
             <a:avLst/>
@@ -2632,7 +2633,7 @@
           <a:bodyPr vert="horz" lIns="91440" tIns="45720" rIns="91440" bIns="45720" rtlCol="0" anchor="ctr"/>
           <a:lstStyle>
             <a:lvl1pPr algn="r">
-              <a:defRPr sz="720">
+              <a:defRPr sz="800">
                 <a:solidFill>
                   <a:schemeClr val="tx1">
                     <a:tint val="75000"/>
@@ -2653,27 +2654,27 @@
     </p:spTree>
     <p:extLst>
       <p:ext uri="{BB962C8B-B14F-4D97-AF65-F5344CB8AC3E}">
-        <p14:creationId xmlns:p14="http://schemas.microsoft.com/office/powerpoint/2010/main" val="1467067594"/>
+        <p14:creationId xmlns:p14="http://schemas.microsoft.com/office/powerpoint/2010/main" val="2052555105"/>
       </p:ext>
     </p:extLst>
   </p:cSld>
   <p:clrMap bg1="lt1" tx1="dk1" bg2="lt2" tx2="dk2" accent1="accent1" accent2="accent2" accent3="accent3" accent4="accent4" accent5="accent5" accent6="accent6" hlink="hlink" folHlink="folHlink"/>
   <p:sldLayoutIdLst>
-    <p:sldLayoutId id="2147483661" r:id="rId1"/>
-    <p:sldLayoutId id="2147483662" r:id="rId2"/>
-    <p:sldLayoutId id="2147483663" r:id="rId3"/>
-    <p:sldLayoutId id="2147483664" r:id="rId4"/>
-    <p:sldLayoutId id="2147483665" r:id="rId5"/>
-    <p:sldLayoutId id="2147483666" r:id="rId6"/>
-    <p:sldLayoutId id="2147483667" r:id="rId7"/>
-    <p:sldLayoutId id="2147483668" r:id="rId8"/>
-    <p:sldLayoutId id="2147483669" r:id="rId9"/>
-    <p:sldLayoutId id="2147483670" r:id="rId10"/>
-    <p:sldLayoutId id="2147483671" r:id="rId11"/>
+    <p:sldLayoutId id="2147483685" r:id="rId1"/>
+    <p:sldLayoutId id="2147483686" r:id="rId2"/>
+    <p:sldLayoutId id="2147483687" r:id="rId3"/>
+    <p:sldLayoutId id="2147483688" r:id="rId4"/>
+    <p:sldLayoutId id="2147483689" r:id="rId5"/>
+    <p:sldLayoutId id="2147483690" r:id="rId6"/>
+    <p:sldLayoutId id="2147483691" r:id="rId7"/>
+    <p:sldLayoutId id="2147483692" r:id="rId8"/>
+    <p:sldLayoutId id="2147483693" r:id="rId9"/>
+    <p:sldLayoutId id="2147483694" r:id="rId10"/>
+    <p:sldLayoutId id="2147483695" r:id="rId11"/>
   </p:sldLayoutIdLst>
   <p:txStyles>
     <p:titleStyle>
-      <a:lvl1pPr algn="l" defTabSz="548640" rtl="0" eaLnBrk="1" latinLnBrk="0" hangingPunct="1">
+      <a:lvl1pPr algn="l" defTabSz="609630" rtl="0" eaLnBrk="1" latinLnBrk="0" hangingPunct="1">
         <a:lnSpc>
           <a:spcPct val="90000"/>
         </a:lnSpc>
@@ -2681,7 +2682,7 @@
           <a:spcPct val="0"/>
         </a:spcBef>
         <a:buNone/>
-        <a:defRPr sz="2640" kern="1200">
+        <a:defRPr sz="2933" kern="1200">
           <a:solidFill>
             <a:schemeClr val="tx1"/>
           </a:solidFill>
@@ -2692,16 +2693,16 @@
       </a:lvl1pPr>
     </p:titleStyle>
     <p:bodyStyle>
-      <a:lvl1pPr marL="137160" indent="-137160" algn="l" defTabSz="548640" rtl="0" eaLnBrk="1" latinLnBrk="0" hangingPunct="1">
+      <a:lvl1pPr marL="152408" indent="-152408" algn="l" defTabSz="609630" rtl="0" eaLnBrk="1" latinLnBrk="0" hangingPunct="1">
         <a:lnSpc>
           <a:spcPct val="90000"/>
         </a:lnSpc>
         <a:spcBef>
-          <a:spcPts val="600"/>
+          <a:spcPts val="667"/>
         </a:spcBef>
         <a:buFont typeface="Arial" panose="020B0604020202020204" pitchFamily="34" charset="0"/>
         <a:buChar char="•"/>
-        <a:defRPr sz="1680" kern="1200">
+        <a:defRPr sz="1867" kern="1200">
           <a:solidFill>
             <a:schemeClr val="tx1"/>
           </a:solidFill>
@@ -2710,16 +2711,16 @@
           <a:cs typeface="+mn-cs"/>
         </a:defRPr>
       </a:lvl1pPr>
-      <a:lvl2pPr marL="411480" indent="-137160" algn="l" defTabSz="548640" rtl="0" eaLnBrk="1" latinLnBrk="0" hangingPunct="1">
+      <a:lvl2pPr marL="457223" indent="-152408" algn="l" defTabSz="609630" rtl="0" eaLnBrk="1" latinLnBrk="0" hangingPunct="1">
         <a:lnSpc>
           <a:spcPct val="90000"/>
         </a:lnSpc>
         <a:spcBef>
-          <a:spcPts val="300"/>
+          <a:spcPts val="333"/>
         </a:spcBef>
         <a:buFont typeface="Arial" panose="020B0604020202020204" pitchFamily="34" charset="0"/>
         <a:buChar char="•"/>
-        <a:defRPr sz="1440" kern="1200">
+        <a:defRPr sz="1600" kern="1200">
           <a:solidFill>
             <a:schemeClr val="tx1"/>
           </a:solidFill>
@@ -2728,12 +2729,30 @@
           <a:cs typeface="+mn-cs"/>
         </a:defRPr>
       </a:lvl2pPr>
-      <a:lvl3pPr marL="685800" indent="-137160" algn="l" defTabSz="548640" rtl="0" eaLnBrk="1" latinLnBrk="0" hangingPunct="1">
+      <a:lvl3pPr marL="762038" indent="-152408" algn="l" defTabSz="609630" rtl="0" eaLnBrk="1" latinLnBrk="0" hangingPunct="1">
         <a:lnSpc>
           <a:spcPct val="90000"/>
         </a:lnSpc>
         <a:spcBef>
-          <a:spcPts val="300"/>
+          <a:spcPts val="333"/>
+        </a:spcBef>
+        <a:buFont typeface="Arial" panose="020B0604020202020204" pitchFamily="34" charset="0"/>
+        <a:buChar char="•"/>
+        <a:defRPr sz="1333" kern="1200">
+          <a:solidFill>
+            <a:schemeClr val="tx1"/>
+          </a:solidFill>
+          <a:latin typeface="+mn-lt"/>
+          <a:ea typeface="+mn-ea"/>
+          <a:cs typeface="+mn-cs"/>
+        </a:defRPr>
+      </a:lvl3pPr>
+      <a:lvl4pPr marL="1066853" indent="-152408" algn="l" defTabSz="609630" rtl="0" eaLnBrk="1" latinLnBrk="0" hangingPunct="1">
+        <a:lnSpc>
+          <a:spcPct val="90000"/>
+        </a:lnSpc>
+        <a:spcBef>
+          <a:spcPts val="333"/>
         </a:spcBef>
         <a:buFont typeface="Arial" panose="020B0604020202020204" pitchFamily="34" charset="0"/>
         <a:buChar char="•"/>
@@ -2745,35 +2764,17 @@
           <a:ea typeface="+mn-ea"/>
           <a:cs typeface="+mn-cs"/>
         </a:defRPr>
-      </a:lvl3pPr>
-      <a:lvl4pPr marL="960120" indent="-137160" algn="l" defTabSz="548640" rtl="0" eaLnBrk="1" latinLnBrk="0" hangingPunct="1">
+      </a:lvl4pPr>
+      <a:lvl5pPr marL="1371669" indent="-152408" algn="l" defTabSz="609630" rtl="0" eaLnBrk="1" latinLnBrk="0" hangingPunct="1">
         <a:lnSpc>
           <a:spcPct val="90000"/>
         </a:lnSpc>
         <a:spcBef>
-          <a:spcPts val="300"/>
+          <a:spcPts val="333"/>
         </a:spcBef>
         <a:buFont typeface="Arial" panose="020B0604020202020204" pitchFamily="34" charset="0"/>
         <a:buChar char="•"/>
-        <a:defRPr sz="1080" kern="1200">
-          <a:solidFill>
-            <a:schemeClr val="tx1"/>
-          </a:solidFill>
-          <a:latin typeface="+mn-lt"/>
-          <a:ea typeface="+mn-ea"/>
-          <a:cs typeface="+mn-cs"/>
-        </a:defRPr>
-      </a:lvl4pPr>
-      <a:lvl5pPr marL="1234440" indent="-137160" algn="l" defTabSz="548640" rtl="0" eaLnBrk="1" latinLnBrk="0" hangingPunct="1">
-        <a:lnSpc>
-          <a:spcPct val="90000"/>
-        </a:lnSpc>
-        <a:spcBef>
-          <a:spcPts val="300"/>
-        </a:spcBef>
-        <a:buFont typeface="Arial" panose="020B0604020202020204" pitchFamily="34" charset="0"/>
-        <a:buChar char="•"/>
-        <a:defRPr sz="1080" kern="1200">
+        <a:defRPr sz="1200" kern="1200">
           <a:solidFill>
             <a:schemeClr val="tx1"/>
           </a:solidFill>
@@ -2782,16 +2783,16 @@
           <a:cs typeface="+mn-cs"/>
         </a:defRPr>
       </a:lvl5pPr>
-      <a:lvl6pPr marL="1508760" indent="-137160" algn="l" defTabSz="548640" rtl="0" eaLnBrk="1" latinLnBrk="0" hangingPunct="1">
+      <a:lvl6pPr marL="1676484" indent="-152408" algn="l" defTabSz="609630" rtl="0" eaLnBrk="1" latinLnBrk="0" hangingPunct="1">
         <a:lnSpc>
           <a:spcPct val="90000"/>
         </a:lnSpc>
         <a:spcBef>
-          <a:spcPts val="300"/>
+          <a:spcPts val="333"/>
         </a:spcBef>
         <a:buFont typeface="Arial" panose="020B0604020202020204" pitchFamily="34" charset="0"/>
         <a:buChar char="•"/>
-        <a:defRPr sz="1080" kern="1200">
+        <a:defRPr sz="1200" kern="1200">
           <a:solidFill>
             <a:schemeClr val="tx1"/>
           </a:solidFill>
@@ -2800,16 +2801,16 @@
           <a:cs typeface="+mn-cs"/>
         </a:defRPr>
       </a:lvl6pPr>
-      <a:lvl7pPr marL="1783080" indent="-137160" algn="l" defTabSz="548640" rtl="0" eaLnBrk="1" latinLnBrk="0" hangingPunct="1">
+      <a:lvl7pPr marL="1981299" indent="-152408" algn="l" defTabSz="609630" rtl="0" eaLnBrk="1" latinLnBrk="0" hangingPunct="1">
         <a:lnSpc>
           <a:spcPct val="90000"/>
         </a:lnSpc>
         <a:spcBef>
-          <a:spcPts val="300"/>
+          <a:spcPts val="333"/>
         </a:spcBef>
         <a:buFont typeface="Arial" panose="020B0604020202020204" pitchFamily="34" charset="0"/>
         <a:buChar char="•"/>
-        <a:defRPr sz="1080" kern="1200">
+        <a:defRPr sz="1200" kern="1200">
           <a:solidFill>
             <a:schemeClr val="tx1"/>
           </a:solidFill>
@@ -2818,16 +2819,16 @@
           <a:cs typeface="+mn-cs"/>
         </a:defRPr>
       </a:lvl7pPr>
-      <a:lvl8pPr marL="2057400" indent="-137160" algn="l" defTabSz="548640" rtl="0" eaLnBrk="1" latinLnBrk="0" hangingPunct="1">
+      <a:lvl8pPr marL="2286114" indent="-152408" algn="l" defTabSz="609630" rtl="0" eaLnBrk="1" latinLnBrk="0" hangingPunct="1">
         <a:lnSpc>
           <a:spcPct val="90000"/>
         </a:lnSpc>
         <a:spcBef>
-          <a:spcPts val="300"/>
+          <a:spcPts val="333"/>
         </a:spcBef>
         <a:buFont typeface="Arial" panose="020B0604020202020204" pitchFamily="34" charset="0"/>
         <a:buChar char="•"/>
-        <a:defRPr sz="1080" kern="1200">
+        <a:defRPr sz="1200" kern="1200">
           <a:solidFill>
             <a:schemeClr val="tx1"/>
           </a:solidFill>
@@ -2836,16 +2837,16 @@
           <a:cs typeface="+mn-cs"/>
         </a:defRPr>
       </a:lvl8pPr>
-      <a:lvl9pPr marL="2331720" indent="-137160" algn="l" defTabSz="548640" rtl="0" eaLnBrk="1" latinLnBrk="0" hangingPunct="1">
+      <a:lvl9pPr marL="2590930" indent="-152408" algn="l" defTabSz="609630" rtl="0" eaLnBrk="1" latinLnBrk="0" hangingPunct="1">
         <a:lnSpc>
           <a:spcPct val="90000"/>
         </a:lnSpc>
         <a:spcBef>
-          <a:spcPts val="300"/>
+          <a:spcPts val="333"/>
         </a:spcBef>
         <a:buFont typeface="Arial" panose="020B0604020202020204" pitchFamily="34" charset="0"/>
         <a:buChar char="•"/>
-        <a:defRPr sz="1080" kern="1200">
+        <a:defRPr sz="1200" kern="1200">
           <a:solidFill>
             <a:schemeClr val="tx1"/>
           </a:solidFill>
@@ -2859,8 +2860,8 @@
       <a:defPPr>
         <a:defRPr lang="en-US"/>
       </a:defPPr>
-      <a:lvl1pPr marL="0" algn="l" defTabSz="548640" rtl="0" eaLnBrk="1" latinLnBrk="0" hangingPunct="1">
-        <a:defRPr sz="1080" kern="1200">
+      <a:lvl1pPr marL="0" algn="l" defTabSz="609630" rtl="0" eaLnBrk="1" latinLnBrk="0" hangingPunct="1">
+        <a:defRPr sz="1200" kern="1200">
           <a:solidFill>
             <a:schemeClr val="tx1"/>
           </a:solidFill>
@@ -2869,8 +2870,8 @@
           <a:cs typeface="+mn-cs"/>
         </a:defRPr>
       </a:lvl1pPr>
-      <a:lvl2pPr marL="274320" algn="l" defTabSz="548640" rtl="0" eaLnBrk="1" latinLnBrk="0" hangingPunct="1">
-        <a:defRPr sz="1080" kern="1200">
+      <a:lvl2pPr marL="304815" algn="l" defTabSz="609630" rtl="0" eaLnBrk="1" latinLnBrk="0" hangingPunct="1">
+        <a:defRPr sz="1200" kern="1200">
           <a:solidFill>
             <a:schemeClr val="tx1"/>
           </a:solidFill>
@@ -2879,8 +2880,8 @@
           <a:cs typeface="+mn-cs"/>
         </a:defRPr>
       </a:lvl2pPr>
-      <a:lvl3pPr marL="548640" algn="l" defTabSz="548640" rtl="0" eaLnBrk="1" latinLnBrk="0" hangingPunct="1">
-        <a:defRPr sz="1080" kern="1200">
+      <a:lvl3pPr marL="609630" algn="l" defTabSz="609630" rtl="0" eaLnBrk="1" latinLnBrk="0" hangingPunct="1">
+        <a:defRPr sz="1200" kern="1200">
           <a:solidFill>
             <a:schemeClr val="tx1"/>
           </a:solidFill>
@@ -2889,8 +2890,8 @@
           <a:cs typeface="+mn-cs"/>
         </a:defRPr>
       </a:lvl3pPr>
-      <a:lvl4pPr marL="822960" algn="l" defTabSz="548640" rtl="0" eaLnBrk="1" latinLnBrk="0" hangingPunct="1">
-        <a:defRPr sz="1080" kern="1200">
+      <a:lvl4pPr marL="914446" algn="l" defTabSz="609630" rtl="0" eaLnBrk="1" latinLnBrk="0" hangingPunct="1">
+        <a:defRPr sz="1200" kern="1200">
           <a:solidFill>
             <a:schemeClr val="tx1"/>
           </a:solidFill>
@@ -2899,8 +2900,8 @@
           <a:cs typeface="+mn-cs"/>
         </a:defRPr>
       </a:lvl4pPr>
-      <a:lvl5pPr marL="1097280" algn="l" defTabSz="548640" rtl="0" eaLnBrk="1" latinLnBrk="0" hangingPunct="1">
-        <a:defRPr sz="1080" kern="1200">
+      <a:lvl5pPr marL="1219261" algn="l" defTabSz="609630" rtl="0" eaLnBrk="1" latinLnBrk="0" hangingPunct="1">
+        <a:defRPr sz="1200" kern="1200">
           <a:solidFill>
             <a:schemeClr val="tx1"/>
           </a:solidFill>
@@ -2909,8 +2910,8 @@
           <a:cs typeface="+mn-cs"/>
         </a:defRPr>
       </a:lvl5pPr>
-      <a:lvl6pPr marL="1371600" algn="l" defTabSz="548640" rtl="0" eaLnBrk="1" latinLnBrk="0" hangingPunct="1">
-        <a:defRPr sz="1080" kern="1200">
+      <a:lvl6pPr marL="1524076" algn="l" defTabSz="609630" rtl="0" eaLnBrk="1" latinLnBrk="0" hangingPunct="1">
+        <a:defRPr sz="1200" kern="1200">
           <a:solidFill>
             <a:schemeClr val="tx1"/>
           </a:solidFill>
@@ -2919,8 +2920,8 @@
           <a:cs typeface="+mn-cs"/>
         </a:defRPr>
       </a:lvl6pPr>
-      <a:lvl7pPr marL="1645920" algn="l" defTabSz="548640" rtl="0" eaLnBrk="1" latinLnBrk="0" hangingPunct="1">
-        <a:defRPr sz="1080" kern="1200">
+      <a:lvl7pPr marL="1828891" algn="l" defTabSz="609630" rtl="0" eaLnBrk="1" latinLnBrk="0" hangingPunct="1">
+        <a:defRPr sz="1200" kern="1200">
           <a:solidFill>
             <a:schemeClr val="tx1"/>
           </a:solidFill>
@@ -2929,8 +2930,8 @@
           <a:cs typeface="+mn-cs"/>
         </a:defRPr>
       </a:lvl7pPr>
-      <a:lvl8pPr marL="1920240" algn="l" defTabSz="548640" rtl="0" eaLnBrk="1" latinLnBrk="0" hangingPunct="1">
-        <a:defRPr sz="1080" kern="1200">
+      <a:lvl8pPr marL="2133707" algn="l" defTabSz="609630" rtl="0" eaLnBrk="1" latinLnBrk="0" hangingPunct="1">
+        <a:defRPr sz="1200" kern="1200">
           <a:solidFill>
             <a:schemeClr val="tx1"/>
           </a:solidFill>
@@ -2939,8 +2940,8 @@
           <a:cs typeface="+mn-cs"/>
         </a:defRPr>
       </a:lvl8pPr>
-      <a:lvl9pPr marL="2194560" algn="l" defTabSz="548640" rtl="0" eaLnBrk="1" latinLnBrk="0" hangingPunct="1">
-        <a:defRPr sz="1080" kern="1200">
+      <a:lvl9pPr marL="2438522" algn="l" defTabSz="609630" rtl="0" eaLnBrk="1" latinLnBrk="0" hangingPunct="1">
+        <a:defRPr sz="1200" kern="1200">
           <a:solidFill>
             <a:schemeClr val="tx1"/>
           </a:solidFill>
@@ -2985,8 +2986,8 @@
         </p:nvSpPr>
         <p:spPr>
           <a:xfrm>
-            <a:off x="2867222" y="4683988"/>
-            <a:ext cx="621361" cy="369332"/>
+            <a:off x="3303753" y="3903324"/>
+            <a:ext cx="517801" cy="323165"/>
           </a:xfrm>
           <a:prstGeom prst="rect">
             <a:avLst/>
@@ -3003,7 +3004,7 @@
           <a:p>
             <a:pPr algn="ctr"/>
             <a:r>
-              <a:rPr lang="en-US" sz="900" dirty="0">
+              <a:rPr lang="en-US" sz="750" dirty="0">
                 <a:latin typeface="Arial" panose="020B0604020202020204" pitchFamily="34" charset="0"/>
                 <a:cs typeface="Arial" panose="020B0604020202020204" pitchFamily="34" charset="0"/>
               </a:rPr>
@@ -3039,8 +3040,8 @@
         </p:blipFill>
         <p:spPr>
           <a:xfrm>
-            <a:off x="746650" y="843073"/>
-            <a:ext cx="3486561" cy="3800253"/>
+            <a:off x="1536609" y="702562"/>
+            <a:ext cx="2905468" cy="3166878"/>
           </a:xfrm>
           <a:prstGeom prst="rect">
             <a:avLst/>
@@ -3061,8 +3062,8 @@
         </p:nvSpPr>
         <p:spPr>
           <a:xfrm>
-            <a:off x="921996" y="4683988"/>
-            <a:ext cx="797097" cy="369332"/>
+            <a:off x="1682731" y="3903324"/>
+            <a:ext cx="664248" cy="438582"/>
           </a:xfrm>
           <a:prstGeom prst="rect">
             <a:avLst/>
@@ -3079,7 +3080,7 @@
           <a:p>
             <a:pPr algn="ctr"/>
             <a:r>
-              <a:rPr lang="en-US" sz="900" dirty="0">
+              <a:rPr lang="en-US" sz="750" dirty="0">
                 <a:latin typeface="Arial" panose="020B0604020202020204" pitchFamily="34" charset="0"/>
                 <a:cs typeface="Arial" panose="020B0604020202020204" pitchFamily="34" charset="0"/>
               </a:rPr>
@@ -3102,8 +3103,8 @@
         </p:nvSpPr>
         <p:spPr>
           <a:xfrm>
-            <a:off x="1078008" y="2095758"/>
-            <a:ext cx="263214" cy="261610"/>
+            <a:off x="1812740" y="1746466"/>
+            <a:ext cx="247184" cy="226985"/>
           </a:xfrm>
           <a:prstGeom prst="rect">
             <a:avLst/>
@@ -3117,7 +3118,7 @@
           <a:lstStyle/>
           <a:p>
             <a:r>
-              <a:rPr lang="en-US" sz="1050" dirty="0">
+              <a:rPr lang="en-US" sz="875" dirty="0">
                 <a:latin typeface="Arial" panose="020B0604020202020204" pitchFamily="34" charset="0"/>
                 <a:cs typeface="Arial" panose="020B0604020202020204" pitchFamily="34" charset="0"/>
               </a:rPr>
@@ -3140,8 +3141,8 @@
         </p:nvSpPr>
         <p:spPr>
           <a:xfrm>
-            <a:off x="1230021" y="1931720"/>
-            <a:ext cx="412292" cy="261610"/>
+            <a:off x="1939418" y="1609767"/>
+            <a:ext cx="365806" cy="226985"/>
           </a:xfrm>
           <a:prstGeom prst="rect">
             <a:avLst/>
@@ -3155,13 +3156,13 @@
           <a:lstStyle/>
           <a:p>
             <a:r>
-              <a:rPr lang="en-US" sz="1050" dirty="0" err="1">
+              <a:rPr lang="en-US" sz="875" dirty="0" err="1">
                 <a:latin typeface="Arial" panose="020B0604020202020204" pitchFamily="34" charset="0"/>
                 <a:cs typeface="Arial" panose="020B0604020202020204" pitchFamily="34" charset="0"/>
               </a:rPr>
               <a:t>bcd</a:t>
             </a:r>
-            <a:endParaRPr lang="en-US" sz="1050" dirty="0">
+            <a:endParaRPr lang="en-US" sz="875" dirty="0">
               <a:latin typeface="Arial" panose="020B0604020202020204" pitchFamily="34" charset="0"/>
               <a:cs typeface="Arial" panose="020B0604020202020204" pitchFamily="34" charset="0"/>
             </a:endParaRPr>
@@ -3182,8 +3183,8 @@
         </p:nvSpPr>
         <p:spPr>
           <a:xfrm>
-            <a:off x="1653345" y="1876602"/>
-            <a:ext cx="341760" cy="261610"/>
+            <a:off x="2292188" y="1563836"/>
+            <a:ext cx="309700" cy="226985"/>
           </a:xfrm>
           <a:prstGeom prst="rect">
             <a:avLst/>
@@ -3197,7 +3198,7 @@
           <a:lstStyle/>
           <a:p>
             <a:r>
-              <a:rPr lang="en-US" sz="1050" dirty="0">
+              <a:rPr lang="en-US" sz="875" dirty="0">
                 <a:latin typeface="Arial" panose="020B0604020202020204" pitchFamily="34" charset="0"/>
                 <a:cs typeface="Arial" panose="020B0604020202020204" pitchFamily="34" charset="0"/>
               </a:rPr>
@@ -3220,8 +3221,8 @@
         </p:nvSpPr>
         <p:spPr>
           <a:xfrm>
-            <a:off x="1850351" y="1568537"/>
-            <a:ext cx="412292" cy="261610"/>
+            <a:off x="2456359" y="1307115"/>
+            <a:ext cx="365806" cy="226985"/>
           </a:xfrm>
           <a:prstGeom prst="rect">
             <a:avLst/>
@@ -3235,13 +3236,13 @@
           <a:lstStyle/>
           <a:p>
             <a:r>
-              <a:rPr lang="en-US" sz="1050" dirty="0" err="1">
+              <a:rPr lang="en-US" sz="875" dirty="0" err="1">
                 <a:latin typeface="Arial" panose="020B0604020202020204" pitchFamily="34" charset="0"/>
                 <a:cs typeface="Arial" panose="020B0604020202020204" pitchFamily="34" charset="0"/>
               </a:rPr>
               <a:t>abc</a:t>
             </a:r>
-            <a:endParaRPr lang="en-US" sz="1050" dirty="0">
+            <a:endParaRPr lang="en-US" sz="875" dirty="0">
               <a:latin typeface="Arial" panose="020B0604020202020204" pitchFamily="34" charset="0"/>
               <a:cs typeface="Arial" panose="020B0604020202020204" pitchFamily="34" charset="0"/>
             </a:endParaRPr>
@@ -3262,8 +3263,8 @@
         </p:nvSpPr>
         <p:spPr>
           <a:xfrm>
-            <a:off x="2240821" y="3084475"/>
-            <a:ext cx="380232" cy="261610"/>
+            <a:off x="2781751" y="2570396"/>
+            <a:ext cx="340158" cy="226985"/>
           </a:xfrm>
           <a:prstGeom prst="rect">
             <a:avLst/>
@@ -3277,7 +3278,7 @@
           <a:lstStyle/>
           <a:p>
             <a:r>
-              <a:rPr lang="en-US" sz="1050" dirty="0">
+              <a:rPr lang="en-US" sz="875" dirty="0">
                 <a:latin typeface="Arial" panose="020B0604020202020204" pitchFamily="34" charset="0"/>
                 <a:cs typeface="Arial" panose="020B0604020202020204" pitchFamily="34" charset="0"/>
               </a:rPr>
@@ -3300,8 +3301,8 @@
         </p:nvSpPr>
         <p:spPr>
           <a:xfrm>
-            <a:off x="2558470" y="3355883"/>
-            <a:ext cx="223138" cy="261610"/>
+            <a:off x="3046459" y="2796570"/>
+            <a:ext cx="215123" cy="226985"/>
           </a:xfrm>
           <a:prstGeom prst="rect">
             <a:avLst/>
@@ -3315,7 +3316,7 @@
           <a:lstStyle/>
           <a:p>
             <a:r>
-              <a:rPr lang="en-US" sz="1050" dirty="0">
+              <a:rPr lang="en-US" sz="875" dirty="0">
                 <a:latin typeface="Arial" panose="020B0604020202020204" pitchFamily="34" charset="0"/>
                 <a:cs typeface="Arial" panose="020B0604020202020204" pitchFamily="34" charset="0"/>
               </a:rPr>
@@ -3338,8 +3339,8 @@
         </p:nvSpPr>
         <p:spPr>
           <a:xfrm>
-            <a:off x="2853628" y="2782460"/>
-            <a:ext cx="380232" cy="261610"/>
+            <a:off x="3292423" y="2318717"/>
+            <a:ext cx="340158" cy="226985"/>
           </a:xfrm>
           <a:prstGeom prst="rect">
             <a:avLst/>
@@ -3353,7 +3354,7 @@
           <a:lstStyle/>
           <a:p>
             <a:r>
-              <a:rPr lang="en-US" sz="1050" dirty="0">
+              <a:rPr lang="en-US" sz="875" dirty="0">
                 <a:latin typeface="Arial" panose="020B0604020202020204" pitchFamily="34" charset="0"/>
                 <a:cs typeface="Arial" panose="020B0604020202020204" pitchFamily="34" charset="0"/>
               </a:rPr>
@@ -3376,8 +3377,8 @@
         </p:nvSpPr>
         <p:spPr>
           <a:xfrm>
-            <a:off x="3129619" y="2890168"/>
-            <a:ext cx="301686" cy="261610"/>
+            <a:off x="3522416" y="2408474"/>
+            <a:ext cx="277640" cy="226985"/>
           </a:xfrm>
           <a:prstGeom prst="rect">
             <a:avLst/>
@@ -3391,13 +3392,13 @@
           <a:lstStyle/>
           <a:p>
             <a:r>
-              <a:rPr lang="en-US" sz="1050" dirty="0" err="1">
+              <a:rPr lang="en-US" sz="875" dirty="0" err="1">
                 <a:latin typeface="Arial" panose="020B0604020202020204" pitchFamily="34" charset="0"/>
                 <a:cs typeface="Arial" panose="020B0604020202020204" pitchFamily="34" charset="0"/>
               </a:rPr>
               <a:t>ef</a:t>
             </a:r>
-            <a:endParaRPr lang="en-US" sz="1050" dirty="0">
+            <a:endParaRPr lang="en-US" sz="875" dirty="0">
               <a:latin typeface="Arial" panose="020B0604020202020204" pitchFamily="34" charset="0"/>
               <a:cs typeface="Arial" panose="020B0604020202020204" pitchFamily="34" charset="0"/>
             </a:endParaRPr>
@@ -3418,8 +3419,8 @@
         </p:nvSpPr>
         <p:spPr>
           <a:xfrm>
-            <a:off x="3461894" y="2388854"/>
-            <a:ext cx="412292" cy="261610"/>
+            <a:off x="3799312" y="1990712"/>
+            <a:ext cx="365806" cy="226985"/>
           </a:xfrm>
           <a:prstGeom prst="rect">
             <a:avLst/>
@@ -3433,13 +3434,13 @@
           <a:lstStyle/>
           <a:p>
             <a:r>
-              <a:rPr lang="en-US" sz="1050" dirty="0" err="1">
+              <a:rPr lang="en-US" sz="875" dirty="0" err="1">
                 <a:latin typeface="Arial" panose="020B0604020202020204" pitchFamily="34" charset="0"/>
                 <a:cs typeface="Arial" panose="020B0604020202020204" pitchFamily="34" charset="0"/>
               </a:rPr>
               <a:t>cde</a:t>
             </a:r>
-            <a:endParaRPr lang="en-US" sz="1050" dirty="0">
+            <a:endParaRPr lang="en-US" sz="875" dirty="0">
               <a:latin typeface="Arial" panose="020B0604020202020204" pitchFamily="34" charset="0"/>
               <a:cs typeface="Arial" panose="020B0604020202020204" pitchFamily="34" charset="0"/>
             </a:endParaRPr>
@@ -3460,8 +3461,8 @@
         </p:nvSpPr>
         <p:spPr>
           <a:xfrm>
-            <a:off x="3668040" y="2698707"/>
-            <a:ext cx="490840" cy="261610"/>
+            <a:off x="3971100" y="2248923"/>
+            <a:ext cx="428322" cy="226985"/>
           </a:xfrm>
           <a:prstGeom prst="rect">
             <a:avLst/>
@@ -3475,13 +3476,13 @@
           <a:lstStyle/>
           <a:p>
             <a:r>
-              <a:rPr lang="en-US" sz="1050" dirty="0" err="1">
+              <a:rPr lang="en-US" sz="875" dirty="0" err="1">
                 <a:latin typeface="Arial" panose="020B0604020202020204" pitchFamily="34" charset="0"/>
                 <a:cs typeface="Arial" panose="020B0604020202020204" pitchFamily="34" charset="0"/>
               </a:rPr>
               <a:t>bcde</a:t>
             </a:r>
-            <a:endParaRPr lang="en-US" sz="1050" dirty="0">
+            <a:endParaRPr lang="en-US" sz="875" dirty="0">
               <a:latin typeface="Arial" panose="020B0604020202020204" pitchFamily="34" charset="0"/>
               <a:cs typeface="Arial" panose="020B0604020202020204" pitchFamily="34" charset="0"/>
             </a:endParaRPr>
@@ -3502,8 +3503,8 @@
         </p:nvSpPr>
         <p:spPr>
           <a:xfrm>
-            <a:off x="1970545" y="195316"/>
-            <a:ext cx="796530" cy="276999"/>
+            <a:off x="2556521" y="162765"/>
+            <a:ext cx="663775" cy="246221"/>
           </a:xfrm>
           <a:prstGeom prst="rect">
             <a:avLst/>
@@ -3518,7 +3519,7 @@
           <a:p>
             <a:pPr algn="ctr"/>
             <a:r>
-              <a:rPr lang="en-US" sz="600" dirty="0">
+              <a:rPr lang="en-US" sz="500" dirty="0">
                 <a:latin typeface="Arial" panose="020B0604020202020204" pitchFamily="34" charset="0"/>
                 <a:cs typeface="Arial" panose="020B0604020202020204" pitchFamily="34" charset="0"/>
               </a:rPr>
@@ -3541,8 +3542,8 @@
         </p:nvSpPr>
         <p:spPr>
           <a:xfrm rot="10800000">
-            <a:off x="1806864" y="629695"/>
-            <a:ext cx="2342571" cy="228600"/>
+            <a:off x="2420121" y="524746"/>
+            <a:ext cx="1952143" cy="190500"/>
           </a:xfrm>
           <a:prstGeom prst="rect">
             <a:avLst/>
@@ -3575,7 +3576,7 @@
           <a:lstStyle/>
           <a:p>
             <a:pPr algn="ctr"/>
-            <a:endParaRPr lang="en-US" dirty="0"/>
+            <a:endParaRPr lang="en-US" sz="1286" dirty="0"/>
           </a:p>
         </p:txBody>
       </p:sp>
@@ -3593,8 +3594,8 @@
         </p:nvSpPr>
         <p:spPr>
           <a:xfrm rot="10800000">
-            <a:off x="956992" y="629695"/>
-            <a:ext cx="678389" cy="228600"/>
+            <a:off x="1711895" y="524746"/>
+            <a:ext cx="565324" cy="190500"/>
           </a:xfrm>
           <a:prstGeom prst="rect">
             <a:avLst/>
@@ -3627,7 +3628,7 @@
           <a:lstStyle/>
           <a:p>
             <a:pPr algn="ctr"/>
-            <a:endParaRPr lang="en-US"/>
+            <a:endParaRPr lang="en-US" sz="1286"/>
           </a:p>
         </p:txBody>
       </p:sp>
@@ -3645,8 +3646,8 @@
         </p:nvSpPr>
         <p:spPr>
           <a:xfrm>
-            <a:off x="1020081" y="399989"/>
-            <a:ext cx="419879" cy="215444"/>
+            <a:off x="1764469" y="333324"/>
+            <a:ext cx="349899" cy="297646"/>
           </a:xfrm>
           <a:prstGeom prst="rect">
             <a:avLst/>
@@ -3660,7 +3661,7 @@
           <a:lstStyle/>
           <a:p>
             <a:r>
-              <a:rPr lang="en-US" sz="800" dirty="0">
+              <a:rPr lang="en-US" sz="667" dirty="0">
                 <a:latin typeface="Arial" panose="020B0604020202020204" pitchFamily="34" charset="0"/>
                 <a:cs typeface="Arial" panose="020B0604020202020204" pitchFamily="34" charset="0"/>
               </a:rPr>
@@ -3683,8 +3684,8 @@
         </p:nvSpPr>
         <p:spPr>
           <a:xfrm>
-            <a:off x="1398452" y="262618"/>
-            <a:ext cx="512350" cy="338554"/>
+            <a:off x="2079777" y="218849"/>
+            <a:ext cx="426958" cy="297646"/>
           </a:xfrm>
           <a:prstGeom prst="rect">
             <a:avLst/>
@@ -3699,21 +3700,21 @@
           <a:p>
             <a:pPr algn="ctr"/>
             <a:r>
-              <a:rPr lang="en-US" sz="800" dirty="0">
+              <a:rPr lang="en-US" sz="667" dirty="0">
                 <a:latin typeface="Arial" panose="020B0604020202020204" pitchFamily="34" charset="0"/>
                 <a:cs typeface="Arial" panose="020B0604020202020204" pitchFamily="34" charset="0"/>
               </a:rPr>
               <a:t>2°C d</a:t>
             </a:r>
             <a:r>
-              <a:rPr lang="en-US" sz="800" baseline="30000" dirty="0">
+              <a:rPr lang="en-US" sz="667" baseline="30000" dirty="0">
                 <a:latin typeface="Arial" panose="020B0604020202020204" pitchFamily="34" charset="0"/>
                 <a:cs typeface="Arial" panose="020B0604020202020204" pitchFamily="34" charset="0"/>
               </a:rPr>
               <a:t>-1 </a:t>
             </a:r>
             <a:r>
-              <a:rPr lang="en-US" sz="800" dirty="0">
+              <a:rPr lang="en-US" sz="667" dirty="0">
                 <a:latin typeface="Arial" panose="020B0604020202020204" pitchFamily="34" charset="0"/>
                 <a:cs typeface="Arial" panose="020B0604020202020204" pitchFamily="34" charset="0"/>
               </a:rPr>
@@ -3736,8 +3737,8 @@
         </p:nvSpPr>
         <p:spPr>
           <a:xfrm>
-            <a:off x="1756620" y="384318"/>
-            <a:ext cx="462683" cy="215444"/>
+            <a:off x="2378251" y="320265"/>
+            <a:ext cx="385569" cy="194990"/>
           </a:xfrm>
           <a:prstGeom prst="rect">
             <a:avLst/>
@@ -3752,7 +3753,7 @@
           <a:p>
             <a:pPr algn="ctr"/>
             <a:r>
-              <a:rPr lang="en-US" sz="800" dirty="0">
+              <a:rPr lang="en-US" sz="667" dirty="0">
                 <a:latin typeface="Arial" panose="020B0604020202020204" pitchFamily="34" charset="0"/>
                 <a:cs typeface="Arial" panose="020B0604020202020204" pitchFamily="34" charset="0"/>
               </a:rPr>
@@ -3775,8 +3776,8 @@
         </p:nvSpPr>
         <p:spPr>
           <a:xfrm>
-            <a:off x="2587195" y="385728"/>
-            <a:ext cx="836216" cy="215444"/>
+            <a:off x="3070396" y="321440"/>
+            <a:ext cx="696847" cy="194990"/>
           </a:xfrm>
           <a:prstGeom prst="rect">
             <a:avLst/>
@@ -3791,7 +3792,7 @@
           <a:p>
             <a:pPr algn="ctr"/>
             <a:r>
-              <a:rPr lang="en-US" sz="800" dirty="0">
+              <a:rPr lang="en-US" sz="667" dirty="0">
                 <a:latin typeface="Arial" panose="020B0604020202020204" pitchFamily="34" charset="0"/>
                 <a:cs typeface="Arial" panose="020B0604020202020204" pitchFamily="34" charset="0"/>
               </a:rPr>
@@ -3814,8 +3815,8 @@
         </p:nvSpPr>
         <p:spPr>
           <a:xfrm>
-            <a:off x="2156536" y="637371"/>
-            <a:ext cx="168569" cy="220924"/>
+            <a:off x="2711515" y="531143"/>
+            <a:ext cx="140474" cy="184103"/>
           </a:xfrm>
           <a:prstGeom prst="rect">
             <a:avLst/>
@@ -3853,7 +3854,7 @@
           <a:lstStyle/>
           <a:p>
             <a:pPr algn="ctr"/>
-            <a:endParaRPr lang="en-US"/>
+            <a:endParaRPr lang="en-US" sz="1286"/>
           </a:p>
         </p:txBody>
       </p:sp>
@@ -3871,8 +3872,8 @@
         </p:nvSpPr>
         <p:spPr>
           <a:xfrm rot="5400000">
-            <a:off x="2144905" y="522350"/>
-            <a:ext cx="200405" cy="98925"/>
+            <a:off x="2701822" y="435293"/>
+            <a:ext cx="167004" cy="82438"/>
           </a:xfrm>
           <a:prstGeom prst="rightArrow">
             <a:avLst/>
@@ -3907,7 +3908,7 @@
           <a:lstStyle/>
           <a:p>
             <a:pPr algn="ctr"/>
-            <a:endParaRPr lang="en-US"/>
+            <a:endParaRPr lang="en-US" sz="1286"/>
           </a:p>
         </p:txBody>
       </p:sp>
@@ -3925,8 +3926,8 @@
         </p:nvCxnSpPr>
         <p:spPr>
           <a:xfrm>
-            <a:off x="3229916" y="493450"/>
-            <a:ext cx="304800" cy="0"/>
+            <a:off x="3605997" y="411208"/>
+            <a:ext cx="254000" cy="0"/>
           </a:xfrm>
           <a:prstGeom prst="straightConnector1">
             <a:avLst/>
@@ -3968,8 +3969,8 @@
         </p:nvSpPr>
         <p:spPr>
           <a:xfrm rot="10800000">
-            <a:off x="1531615" y="629696"/>
-            <a:ext cx="275250" cy="228600"/>
+            <a:off x="2190746" y="524747"/>
+            <a:ext cx="229375" cy="190500"/>
           </a:xfrm>
           <a:prstGeom prst="rect">
             <a:avLst/>
@@ -4014,7 +4015,7 @@
           <a:lstStyle/>
           <a:p>
             <a:pPr algn="ctr"/>
-            <a:endParaRPr lang="en-US"/>
+            <a:endParaRPr lang="en-US" sz="1286"/>
           </a:p>
         </p:txBody>
       </p:sp>
@@ -4032,8 +4033,8 @@
         </p:nvSpPr>
         <p:spPr>
           <a:xfrm>
-            <a:off x="2365544" y="4644772"/>
-            <a:ext cx="354584" cy="276999"/>
+            <a:off x="2885687" y="3870645"/>
+            <a:ext cx="325730" cy="246221"/>
           </a:xfrm>
           <a:prstGeom prst="rect">
             <a:avLst/>
@@ -4049,7 +4050,7 @@
           <a:lstStyle/>
           <a:p>
             <a:r>
-              <a:rPr lang="en-US" sz="1200" dirty="0">
+              <a:rPr lang="en-US" sz="1000" dirty="0">
                 <a:latin typeface="Arial" panose="020B0604020202020204" pitchFamily="34" charset="0"/>
                 <a:cs typeface="Arial" panose="020B0604020202020204" pitchFamily="34" charset="0"/>
               </a:rPr>
@@ -4072,8 +4073,8 @@
         </p:nvSpPr>
         <p:spPr>
           <a:xfrm>
-            <a:off x="3540432" y="4644772"/>
-            <a:ext cx="439544" cy="276999"/>
+            <a:off x="3864760" y="3870645"/>
+            <a:ext cx="396262" cy="246221"/>
           </a:xfrm>
           <a:prstGeom prst="rect">
             <a:avLst/>
@@ -4089,7 +4090,7 @@
           <a:lstStyle/>
           <a:p>
             <a:r>
-              <a:rPr lang="en-US" sz="1200" dirty="0">
+              <a:rPr lang="en-US" sz="1000" dirty="0">
                 <a:latin typeface="Arial" panose="020B0604020202020204" pitchFamily="34" charset="0"/>
                 <a:cs typeface="Arial" panose="020B0604020202020204" pitchFamily="34" charset="0"/>
               </a:rPr>
@@ -4112,8 +4113,8 @@
         </p:nvSpPr>
         <p:spPr>
           <a:xfrm rot="16200000">
-            <a:off x="-665421" y="2359330"/>
-            <a:ext cx="2186909" cy="461665"/>
+            <a:off x="359884" y="1958415"/>
+            <a:ext cx="1822424" cy="400110"/>
           </a:xfrm>
           <a:prstGeom prst="rect">
             <a:avLst/>
@@ -4130,35 +4131,35 @@
           <a:p>
             <a:pPr algn="ctr"/>
             <a:r>
-              <a:rPr lang="en-US" sz="1200" dirty="0">
+              <a:rPr lang="en-US" sz="1000" dirty="0">
                 <a:latin typeface="Arial" panose="020B0604020202020204" pitchFamily="34" charset="0"/>
                 <a:cs typeface="Arial" panose="020B0604020202020204" pitchFamily="34" charset="0"/>
               </a:rPr>
               <a:t>Na</a:t>
             </a:r>
             <a:r>
-              <a:rPr lang="en-US" sz="1200" baseline="30000" dirty="0">
+              <a:rPr lang="en-US" sz="1000" baseline="30000" dirty="0">
                 <a:latin typeface="Arial" panose="020B0604020202020204" pitchFamily="34" charset="0"/>
                 <a:cs typeface="Arial" panose="020B0604020202020204" pitchFamily="34" charset="0"/>
               </a:rPr>
               <a:t>+</a:t>
             </a:r>
             <a:r>
-              <a:rPr lang="en-US" sz="1200" dirty="0">
+              <a:rPr lang="en-US" sz="1000" dirty="0">
                 <a:latin typeface="Arial" panose="020B0604020202020204" pitchFamily="34" charset="0"/>
                 <a:cs typeface="Arial" panose="020B0604020202020204" pitchFamily="34" charset="0"/>
               </a:rPr>
               <a:t>/K</a:t>
             </a:r>
             <a:r>
-              <a:rPr lang="en-US" sz="1200" baseline="30000" dirty="0">
+              <a:rPr lang="en-US" sz="1000" baseline="30000" dirty="0">
                 <a:latin typeface="Arial" panose="020B0604020202020204" pitchFamily="34" charset="0"/>
                 <a:cs typeface="Arial" panose="020B0604020202020204" pitchFamily="34" charset="0"/>
               </a:rPr>
               <a:t>+</a:t>
             </a:r>
             <a:r>
-              <a:rPr lang="en-US" sz="1200" dirty="0">
+              <a:rPr lang="en-US" sz="1000" dirty="0">
                 <a:latin typeface="Arial" panose="020B0604020202020204" pitchFamily="34" charset="0"/>
                 <a:cs typeface="Arial" panose="020B0604020202020204" pitchFamily="34" charset="0"/>
               </a:rPr>
@@ -4168,35 +4169,35 @@
           <a:p>
             <a:pPr algn="ctr"/>
             <a:r>
-              <a:rPr lang="en-US" sz="1200" dirty="0">
+              <a:rPr lang="en-US" sz="1000" dirty="0">
                 <a:latin typeface="Arial" panose="020B0604020202020204" pitchFamily="34" charset="0"/>
                 <a:cs typeface="Arial" panose="020B0604020202020204" pitchFamily="34" charset="0"/>
               </a:rPr>
               <a:t> (µmol ADP mg protein</a:t>
             </a:r>
             <a:r>
-              <a:rPr lang="en-US" sz="1200" baseline="30000" dirty="0">
+              <a:rPr lang="en-US" sz="1000" baseline="30000" dirty="0">
                 <a:latin typeface="Arial" panose="020B0604020202020204" pitchFamily="34" charset="0"/>
                 <a:cs typeface="Arial" panose="020B0604020202020204" pitchFamily="34" charset="0"/>
               </a:rPr>
               <a:t>-1</a:t>
             </a:r>
             <a:r>
-              <a:rPr lang="en-US" sz="1200" dirty="0">
+              <a:rPr lang="en-US" sz="1000" dirty="0">
                 <a:latin typeface="Arial" panose="020B0604020202020204" pitchFamily="34" charset="0"/>
                 <a:cs typeface="Arial" panose="020B0604020202020204" pitchFamily="34" charset="0"/>
               </a:rPr>
               <a:t> h</a:t>
             </a:r>
             <a:r>
-              <a:rPr lang="en-US" sz="1200" baseline="30000" dirty="0">
+              <a:rPr lang="en-US" sz="1000" baseline="30000" dirty="0">
                 <a:latin typeface="Arial" panose="020B0604020202020204" pitchFamily="34" charset="0"/>
                 <a:cs typeface="Arial" panose="020B0604020202020204" pitchFamily="34" charset="0"/>
               </a:rPr>
               <a:t>-1</a:t>
             </a:r>
             <a:r>
-              <a:rPr lang="en-US" sz="1200" dirty="0">
+              <a:rPr lang="en-US" sz="1000" dirty="0">
                 <a:latin typeface="Arial" panose="020B0604020202020204" pitchFamily="34" charset="0"/>
                 <a:cs typeface="Arial" panose="020B0604020202020204" pitchFamily="34" charset="0"/>
               </a:rPr>
@@ -4219,8 +4220,8 @@
         </p:nvSpPr>
         <p:spPr>
           <a:xfrm>
-            <a:off x="2711220" y="932305"/>
-            <a:ext cx="1438215" cy="577081"/>
+            <a:off x="3145646" y="776922"/>
+            <a:ext cx="1226618" cy="496290"/>
           </a:xfrm>
           <a:prstGeom prst="rect">
             <a:avLst/>
@@ -4235,7 +4236,7 @@
           <a:p>
             <a:pPr algn="r"/>
             <a:r>
-              <a:rPr lang="en-US" sz="1050" dirty="0">
+              <a:rPr lang="en-US" sz="875" dirty="0">
                 <a:solidFill>
                   <a:srgbClr val="000000"/>
                 </a:solidFill>
@@ -4248,7 +4249,7 @@
           <a:p>
             <a:pPr algn="r"/>
             <a:r>
-              <a:rPr lang="en-US" sz="1050" dirty="0">
+              <a:rPr lang="en-US" sz="875" dirty="0">
                 <a:solidFill>
                   <a:srgbClr val="000000"/>
                 </a:solidFill>
@@ -4261,7 +4262,7 @@
           <a:p>
             <a:pPr algn="r"/>
             <a:r>
-              <a:rPr lang="en-US" sz="1050" dirty="0" err="1">
+              <a:rPr lang="en-US" sz="875" dirty="0" err="1">
                 <a:solidFill>
                   <a:srgbClr val="000000"/>
                 </a:solidFill>
@@ -4271,7 +4272,7 @@
               <a:t>ploidy×time</a:t>
             </a:r>
             <a:r>
-              <a:rPr lang="en-US" sz="1050" dirty="0">
+              <a:rPr lang="en-US" sz="875" dirty="0">
                 <a:solidFill>
                   <a:srgbClr val="000000"/>
                 </a:solidFill>
@@ -4297,8 +4298,8 @@
         </p:nvSpPr>
         <p:spPr>
           <a:xfrm>
-            <a:off x="2101803" y="4683988"/>
-            <a:ext cx="878219" cy="369332"/>
+            <a:off x="2665904" y="3903324"/>
+            <a:ext cx="731849" cy="438582"/>
           </a:xfrm>
           <a:prstGeom prst="rect">
             <a:avLst/>
@@ -4315,7 +4316,7 @@
           <a:p>
             <a:pPr algn="ctr"/>
             <a:r>
-              <a:rPr lang="en-US" sz="900" dirty="0">
+              <a:rPr lang="en-US" sz="750" dirty="0">
                 <a:latin typeface="Arial" panose="020B0604020202020204" pitchFamily="34" charset="0"/>
                 <a:cs typeface="Arial" panose="020B0604020202020204" pitchFamily="34" charset="0"/>
               </a:rPr>
@@ -4325,7 +4326,7 @@
           <a:p>
             <a:pPr algn="ctr"/>
             <a:r>
-              <a:rPr lang="en-US" sz="900" dirty="0">
+              <a:rPr lang="en-US" sz="750" dirty="0">
                 <a:latin typeface="Arial" panose="020B0604020202020204" pitchFamily="34" charset="0"/>
                 <a:cs typeface="Arial" panose="020B0604020202020204" pitchFamily="34" charset="0"/>
               </a:rPr>
@@ -4348,8 +4349,8 @@
         </p:nvSpPr>
         <p:spPr>
           <a:xfrm>
-            <a:off x="1618373" y="4683988"/>
-            <a:ext cx="622447" cy="230832"/>
+            <a:off x="2263045" y="3903324"/>
+            <a:ext cx="518706" cy="207749"/>
           </a:xfrm>
           <a:prstGeom prst="rect">
             <a:avLst/>
@@ -4366,7 +4367,7 @@
           <a:p>
             <a:pPr algn="ctr"/>
             <a:r>
-              <a:rPr lang="en-US" sz="900" dirty="0">
+              <a:rPr lang="en-US" sz="750" dirty="0">
                 <a:latin typeface="Arial" panose="020B0604020202020204" pitchFamily="34" charset="0"/>
                 <a:cs typeface="Arial" panose="020B0604020202020204" pitchFamily="34" charset="0"/>
               </a:rPr>
@@ -4389,8 +4390,8 @@
         </p:nvSpPr>
         <p:spPr>
           <a:xfrm>
-            <a:off x="3423412" y="4683988"/>
-            <a:ext cx="676626" cy="369332"/>
+            <a:off x="3767243" y="3903324"/>
+            <a:ext cx="563855" cy="323165"/>
           </a:xfrm>
           <a:prstGeom prst="rect">
             <a:avLst/>
@@ -4407,7 +4408,7 @@
           <a:p>
             <a:pPr algn="ctr"/>
             <a:r>
-              <a:rPr lang="en-US" sz="900" dirty="0">
+              <a:rPr lang="en-US" sz="750" dirty="0">
                 <a:latin typeface="Arial" panose="020B0604020202020204" pitchFamily="34" charset="0"/>
                 <a:cs typeface="Arial" panose="020B0604020202020204" pitchFamily="34" charset="0"/>
               </a:rPr>
@@ -4430,8 +4431,8 @@
         </p:nvSpPr>
         <p:spPr>
           <a:xfrm>
-            <a:off x="4208486" y="1684604"/>
-            <a:ext cx="647934" cy="276999"/>
+            <a:off x="4421472" y="1403838"/>
+            <a:ext cx="567784" cy="246221"/>
           </a:xfrm>
           <a:prstGeom prst="rect">
             <a:avLst/>
@@ -4447,7 +4448,7 @@
           <a:lstStyle/>
           <a:p>
             <a:r>
-              <a:rPr lang="en-US" sz="1200" b="1" dirty="0">
+              <a:rPr lang="en-US" sz="1000" b="1" dirty="0">
                 <a:latin typeface="Arial" panose="020B0604020202020204" pitchFamily="34" charset="0"/>
                 <a:cs typeface="Arial" panose="020B0604020202020204" pitchFamily="34" charset="0"/>
               </a:rPr>
@@ -4470,8 +4471,8 @@
         </p:nvSpPr>
         <p:spPr>
           <a:xfrm>
-            <a:off x="4464674" y="1973127"/>
-            <a:ext cx="775582" cy="230832"/>
+            <a:off x="4634962" y="1644273"/>
+            <a:ext cx="646318" cy="323165"/>
           </a:xfrm>
           <a:prstGeom prst="rect">
             <a:avLst/>
@@ -4488,7 +4489,7 @@
           <a:p>
             <a:pPr algn="ctr"/>
             <a:r>
-              <a:rPr lang="en-US" sz="900" dirty="0">
+              <a:rPr lang="en-US" sz="750" dirty="0">
                 <a:latin typeface="Arial" panose="020B0604020202020204" pitchFamily="34" charset="0"/>
                 <a:cs typeface="Arial" panose="020B0604020202020204" pitchFamily="34" charset="0"/>
               </a:rPr>
@@ -4511,8 +4512,8 @@
         </p:nvSpPr>
         <p:spPr>
           <a:xfrm>
-            <a:off x="4431087" y="2242880"/>
-            <a:ext cx="871117" cy="230832"/>
+            <a:off x="4606974" y="1869067"/>
+            <a:ext cx="725931" cy="207749"/>
           </a:xfrm>
           <a:prstGeom prst="rect">
             <a:avLst/>
@@ -4529,7 +4530,7 @@
           <a:p>
             <a:pPr algn="ctr"/>
             <a:r>
-              <a:rPr lang="en-US" sz="900" dirty="0">
+              <a:rPr lang="en-US" sz="750" dirty="0">
                 <a:latin typeface="Arial" panose="020B0604020202020204" pitchFamily="34" charset="0"/>
                 <a:cs typeface="Arial" panose="020B0604020202020204" pitchFamily="34" charset="0"/>
               </a:rPr>
@@ -4554,8 +4555,8 @@
         </p:nvSpPr>
         <p:spPr>
           <a:xfrm>
-            <a:off x="4298022" y="1987192"/>
-            <a:ext cx="182880" cy="182880"/>
+            <a:off x="4496085" y="1655993"/>
+            <a:ext cx="152400" cy="152400"/>
           </a:xfrm>
           <a:prstGeom prst="rect">
             <a:avLst/>
@@ -4590,7 +4591,7 @@
           <a:lstStyle/>
           <a:p>
             <a:pPr algn="ctr"/>
-            <a:endParaRPr lang="en-US"/>
+            <a:endParaRPr lang="en-US" sz="1286"/>
           </a:p>
         </p:txBody>
       </p:sp>
@@ -4610,8 +4611,8 @@
         </p:nvSpPr>
         <p:spPr>
           <a:xfrm>
-            <a:off x="4298022" y="2265928"/>
-            <a:ext cx="182880" cy="182880"/>
+            <a:off x="4496085" y="1888273"/>
+            <a:ext cx="152400" cy="152400"/>
           </a:xfrm>
           <a:prstGeom prst="rect">
             <a:avLst/>
@@ -4646,7 +4647,7 @@
           <a:lstStyle/>
           <a:p>
             <a:pPr algn="ctr"/>
-            <a:endParaRPr lang="en-US"/>
+            <a:endParaRPr lang="en-US" sz="1286"/>
           </a:p>
         </p:txBody>
       </p:sp>
@@ -4654,6 +4655,1633 @@
     <p:extLst>
       <p:ext uri="{BB962C8B-B14F-4D97-AF65-F5344CB8AC3E}">
         <p14:creationId xmlns:p14="http://schemas.microsoft.com/office/powerpoint/2010/main" val="2942608888"/>
+      </p:ext>
+    </p:extLst>
+  </p:cSld>
+  <p:clrMapOvr>
+    <a:masterClrMapping/>
+  </p:clrMapOvr>
+</p:sld>
+</file>
+
+<file path=ppt/slides/slide2.xml><?xml version="1.0" encoding="utf-8"?>
+<p:sld xmlns:a="http://schemas.openxmlformats.org/drawingml/2006/main" xmlns:r="http://schemas.openxmlformats.org/officeDocument/2006/relationships" xmlns:p="http://schemas.openxmlformats.org/presentationml/2006/main">
+  <p:cSld>
+    <p:spTree>
+      <p:nvGrpSpPr>
+        <p:cNvPr id="1" name=""/>
+        <p:cNvGrpSpPr/>
+        <p:nvPr/>
+      </p:nvGrpSpPr>
+      <p:grpSpPr>
+        <a:xfrm>
+          <a:off x="0" y="0"/>
+          <a:ext cx="0" cy="0"/>
+          <a:chOff x="0" y="0"/>
+          <a:chExt cx="0" cy="0"/>
+        </a:xfrm>
+      </p:grpSpPr>
+      <p:sp>
+        <p:nvSpPr>
+          <p:cNvPr id="65" name="TextBox 64">
+            <a:extLst>
+              <a:ext uri="{FF2B5EF4-FFF2-40B4-BE49-F238E27FC236}">
+                <a16:creationId xmlns:a16="http://schemas.microsoft.com/office/drawing/2014/main" id="{9559AFED-78F7-4D9A-93DA-96D93FE597D4}"/>
+              </a:ext>
+            </a:extLst>
+          </p:cNvPr>
+          <p:cNvSpPr txBox="1"/>
+          <p:nvPr/>
+        </p:nvSpPr>
+        <p:spPr>
+          <a:xfrm>
+            <a:off x="3192860" y="3304691"/>
+            <a:ext cx="878219" cy="369332"/>
+          </a:xfrm>
+          <a:prstGeom prst="rect">
+            <a:avLst/>
+          </a:prstGeom>
+          <a:solidFill>
+            <a:schemeClr val="bg1"/>
+          </a:solidFill>
+        </p:spPr>
+        <p:txBody>
+          <a:bodyPr wrap="square" rtlCol="0">
+            <a:spAutoFit/>
+          </a:bodyPr>
+          <a:lstStyle/>
+          <a:p>
+            <a:pPr algn="ctr"/>
+            <a:r>
+              <a:rPr lang="en-US" sz="900" dirty="0">
+                <a:latin typeface="Arial" panose="020B0604020202020204" pitchFamily="34" charset="0"/>
+                <a:cs typeface="Arial" panose="020B0604020202020204" pitchFamily="34" charset="0"/>
+              </a:rPr>
+              <a:t>Heated</a:t>
+            </a:r>
+          </a:p>
+          <a:p>
+            <a:pPr algn="ctr"/>
+            <a:r>
+              <a:rPr lang="en-US" sz="900" dirty="0">
+                <a:latin typeface="Arial" panose="020B0604020202020204" pitchFamily="34" charset="0"/>
+                <a:cs typeface="Arial" panose="020B0604020202020204" pitchFamily="34" charset="0"/>
+              </a:rPr>
+              <a:t>+ Desiccation</a:t>
+            </a:r>
+          </a:p>
+        </p:txBody>
+      </p:sp>
+      <p:sp>
+        <p:nvSpPr>
+          <p:cNvPr id="66" name="TextBox 65">
+            <a:extLst>
+              <a:ext uri="{FF2B5EF4-FFF2-40B4-BE49-F238E27FC236}">
+                <a16:creationId xmlns:a16="http://schemas.microsoft.com/office/drawing/2014/main" id="{B9DB3C3A-351F-405E-977A-E79981604B12}"/>
+              </a:ext>
+            </a:extLst>
+          </p:cNvPr>
+          <p:cNvSpPr txBox="1"/>
+          <p:nvPr/>
+        </p:nvSpPr>
+        <p:spPr>
+          <a:xfrm>
+            <a:off x="1998067" y="3297433"/>
+            <a:ext cx="878219" cy="369332"/>
+          </a:xfrm>
+          <a:prstGeom prst="rect">
+            <a:avLst/>
+          </a:prstGeom>
+          <a:solidFill>
+            <a:schemeClr val="bg1"/>
+          </a:solidFill>
+        </p:spPr>
+        <p:txBody>
+          <a:bodyPr wrap="square" rtlCol="0">
+            <a:spAutoFit/>
+          </a:bodyPr>
+          <a:lstStyle/>
+          <a:p>
+            <a:pPr algn="ctr"/>
+            <a:r>
+              <a:rPr lang="en-US" sz="900" dirty="0">
+                <a:latin typeface="Arial" panose="020B0604020202020204" pitchFamily="34" charset="0"/>
+                <a:cs typeface="Arial" panose="020B0604020202020204" pitchFamily="34" charset="0"/>
+              </a:rPr>
+              <a:t>Heated</a:t>
+            </a:r>
+          </a:p>
+          <a:p>
+            <a:pPr algn="ctr"/>
+            <a:r>
+              <a:rPr lang="en-US" sz="900" dirty="0">
+                <a:latin typeface="Arial" panose="020B0604020202020204" pitchFamily="34" charset="0"/>
+                <a:cs typeface="Arial" panose="020B0604020202020204" pitchFamily="34" charset="0"/>
+              </a:rPr>
+              <a:t>+ Desiccation</a:t>
+            </a:r>
+          </a:p>
+        </p:txBody>
+      </p:sp>
+      <p:sp>
+        <p:nvSpPr>
+          <p:cNvPr id="67" name="TextBox 66">
+            <a:extLst>
+              <a:ext uri="{FF2B5EF4-FFF2-40B4-BE49-F238E27FC236}">
+                <a16:creationId xmlns:a16="http://schemas.microsoft.com/office/drawing/2014/main" id="{F5A6D098-3079-4F5F-9766-BB07BC4FA168}"/>
+              </a:ext>
+            </a:extLst>
+          </p:cNvPr>
+          <p:cNvSpPr txBox="1"/>
+          <p:nvPr/>
+        </p:nvSpPr>
+        <p:spPr>
+          <a:xfrm>
+            <a:off x="1572494" y="3286546"/>
+            <a:ext cx="622447" cy="230832"/>
+          </a:xfrm>
+          <a:prstGeom prst="rect">
+            <a:avLst/>
+          </a:prstGeom>
+          <a:solidFill>
+            <a:schemeClr val="bg1"/>
+          </a:solidFill>
+        </p:spPr>
+        <p:txBody>
+          <a:bodyPr wrap="square" rtlCol="0">
+            <a:spAutoFit/>
+          </a:bodyPr>
+          <a:lstStyle/>
+          <a:p>
+            <a:pPr algn="r"/>
+            <a:r>
+              <a:rPr lang="en-US" sz="900" dirty="0">
+                <a:latin typeface="Arial" panose="020B0604020202020204" pitchFamily="34" charset="0"/>
+                <a:cs typeface="Arial" panose="020B0604020202020204" pitchFamily="34" charset="0"/>
+              </a:rPr>
+              <a:t>Heated</a:t>
+            </a:r>
+          </a:p>
+        </p:txBody>
+      </p:sp>
+      <p:sp>
+        <p:nvSpPr>
+          <p:cNvPr id="68" name="TextBox 67">
+            <a:extLst>
+              <a:ext uri="{FF2B5EF4-FFF2-40B4-BE49-F238E27FC236}">
+                <a16:creationId xmlns:a16="http://schemas.microsoft.com/office/drawing/2014/main" id="{542A1B89-D154-42F7-9251-B29977BB6B5B}"/>
+              </a:ext>
+            </a:extLst>
+          </p:cNvPr>
+          <p:cNvSpPr txBox="1"/>
+          <p:nvPr/>
+        </p:nvSpPr>
+        <p:spPr>
+          <a:xfrm>
+            <a:off x="3059117" y="3763722"/>
+            <a:ext cx="621361" cy="369332"/>
+          </a:xfrm>
+          <a:prstGeom prst="rect">
+            <a:avLst/>
+          </a:prstGeom>
+          <a:solidFill>
+            <a:schemeClr val="bg1"/>
+          </a:solidFill>
+        </p:spPr>
+        <p:txBody>
+          <a:bodyPr wrap="square" rtlCol="0">
+            <a:spAutoFit/>
+          </a:bodyPr>
+          <a:lstStyle/>
+          <a:p>
+            <a:pPr algn="ctr"/>
+            <a:r>
+              <a:rPr lang="en-US" sz="900" dirty="0">
+                <a:latin typeface="Arial" panose="020B0604020202020204" pitchFamily="34" charset="0"/>
+                <a:cs typeface="Arial" panose="020B0604020202020204" pitchFamily="34" charset="0"/>
+              </a:rPr>
+              <a:t>5d after stress</a:t>
+            </a:r>
+          </a:p>
+        </p:txBody>
+      </p:sp>
+      <p:sp>
+        <p:nvSpPr>
+          <p:cNvPr id="69" name="TextBox 68">
+            <a:extLst>
+              <a:ext uri="{FF2B5EF4-FFF2-40B4-BE49-F238E27FC236}">
+                <a16:creationId xmlns:a16="http://schemas.microsoft.com/office/drawing/2014/main" id="{F60FDBD4-FBF7-4292-86F2-4520CCB968ED}"/>
+              </a:ext>
+            </a:extLst>
+          </p:cNvPr>
+          <p:cNvSpPr txBox="1"/>
+          <p:nvPr/>
+        </p:nvSpPr>
+        <p:spPr>
+          <a:xfrm>
+            <a:off x="905665" y="3286546"/>
+            <a:ext cx="797097" cy="369332"/>
+          </a:xfrm>
+          <a:prstGeom prst="rect">
+            <a:avLst/>
+          </a:prstGeom>
+          <a:solidFill>
+            <a:schemeClr val="bg1"/>
+          </a:solidFill>
+        </p:spPr>
+        <p:txBody>
+          <a:bodyPr wrap="square" rtlCol="0">
+            <a:spAutoFit/>
+          </a:bodyPr>
+          <a:lstStyle/>
+          <a:p>
+            <a:pPr algn="ctr"/>
+            <a:r>
+              <a:rPr lang="en-US" sz="900" dirty="0">
+                <a:latin typeface="Arial" panose="020B0604020202020204" pitchFamily="34" charset="0"/>
+                <a:cs typeface="Arial" panose="020B0604020202020204" pitchFamily="34" charset="0"/>
+              </a:rPr>
+              <a:t>Control (pre-stress)</a:t>
+            </a:r>
+          </a:p>
+        </p:txBody>
+      </p:sp>
+      <p:sp>
+        <p:nvSpPr>
+          <p:cNvPr id="70" name="TextBox 69">
+            <a:extLst>
+              <a:ext uri="{FF2B5EF4-FFF2-40B4-BE49-F238E27FC236}">
+                <a16:creationId xmlns:a16="http://schemas.microsoft.com/office/drawing/2014/main" id="{6EFCEFD7-FC0C-4400-A44D-15D39D454AD6}"/>
+              </a:ext>
+            </a:extLst>
+          </p:cNvPr>
+          <p:cNvSpPr txBox="1"/>
+          <p:nvPr/>
+        </p:nvSpPr>
+        <p:spPr>
+          <a:xfrm>
+            <a:off x="4188313" y="3763722"/>
+            <a:ext cx="676626" cy="369332"/>
+          </a:xfrm>
+          <a:prstGeom prst="rect">
+            <a:avLst/>
+          </a:prstGeom>
+          <a:solidFill>
+            <a:schemeClr val="bg1"/>
+          </a:solidFill>
+        </p:spPr>
+        <p:txBody>
+          <a:bodyPr wrap="square" rtlCol="0">
+            <a:spAutoFit/>
+          </a:bodyPr>
+          <a:lstStyle/>
+          <a:p>
+            <a:pPr algn="ctr"/>
+            <a:r>
+              <a:rPr lang="en-US" sz="900" dirty="0">
+                <a:latin typeface="Arial" panose="020B0604020202020204" pitchFamily="34" charset="0"/>
+                <a:cs typeface="Arial" panose="020B0604020202020204" pitchFamily="34" charset="0"/>
+              </a:rPr>
+              <a:t>10d after stress</a:t>
+            </a:r>
+          </a:p>
+        </p:txBody>
+      </p:sp>
+      <p:pic>
+        <p:nvPicPr>
+          <p:cNvPr id="71" name="Picture 70">
+            <a:extLst>
+              <a:ext uri="{FF2B5EF4-FFF2-40B4-BE49-F238E27FC236}">
+                <a16:creationId xmlns:a16="http://schemas.microsoft.com/office/drawing/2014/main" id="{9416FF67-F5A6-4DCA-B49D-90CF332D39E7}"/>
+              </a:ext>
+            </a:extLst>
+          </p:cNvPr>
+          <p:cNvPicPr>
+            <a:picLocks noChangeAspect="1"/>
+          </p:cNvPicPr>
+          <p:nvPr/>
+        </p:nvPicPr>
+        <p:blipFill rotWithShape="1">
+          <a:blip r:embed="rId2">
+            <a:extLst>
+              <a:ext uri="{28A0092B-C50C-407E-A947-70E740481C1C}">
+                <a14:useLocalDpi xmlns:a14="http://schemas.microsoft.com/office/drawing/2010/main" val="0"/>
+              </a:ext>
+            </a:extLst>
+          </a:blip>
+          <a:srcRect l="2536" r="18650" b="8929"/>
+          <a:stretch/>
+        </p:blipFill>
+        <p:spPr>
+          <a:xfrm>
+            <a:off x="855785" y="318463"/>
+            <a:ext cx="4324038" cy="2914667"/>
+          </a:xfrm>
+          <a:prstGeom prst="rect">
+            <a:avLst/>
+          </a:prstGeom>
+        </p:spPr>
+      </p:pic>
+      <p:sp>
+        <p:nvSpPr>
+          <p:cNvPr id="72" name="TextBox 71">
+            <a:extLst>
+              <a:ext uri="{FF2B5EF4-FFF2-40B4-BE49-F238E27FC236}">
+                <a16:creationId xmlns:a16="http://schemas.microsoft.com/office/drawing/2014/main" id="{231849B6-3B94-4B97-BBF4-17F175B56784}"/>
+              </a:ext>
+            </a:extLst>
+          </p:cNvPr>
+          <p:cNvSpPr txBox="1"/>
+          <p:nvPr/>
+        </p:nvSpPr>
+        <p:spPr>
+          <a:xfrm>
+            <a:off x="2723348" y="3297433"/>
+            <a:ext cx="622447" cy="230832"/>
+          </a:xfrm>
+          <a:prstGeom prst="rect">
+            <a:avLst/>
+          </a:prstGeom>
+          <a:solidFill>
+            <a:schemeClr val="bg1"/>
+          </a:solidFill>
+        </p:spPr>
+        <p:txBody>
+          <a:bodyPr wrap="square" rtlCol="0">
+            <a:spAutoFit/>
+          </a:bodyPr>
+          <a:lstStyle/>
+          <a:p>
+            <a:pPr algn="r"/>
+            <a:r>
+              <a:rPr lang="en-US" sz="900" dirty="0">
+                <a:latin typeface="Arial" panose="020B0604020202020204" pitchFamily="34" charset="0"/>
+                <a:cs typeface="Arial" panose="020B0604020202020204" pitchFamily="34" charset="0"/>
+              </a:rPr>
+              <a:t>Heated</a:t>
+            </a:r>
+          </a:p>
+        </p:txBody>
+      </p:sp>
+      <p:sp>
+        <p:nvSpPr>
+          <p:cNvPr id="73" name="TextBox 72">
+            <a:extLst>
+              <a:ext uri="{FF2B5EF4-FFF2-40B4-BE49-F238E27FC236}">
+                <a16:creationId xmlns:a16="http://schemas.microsoft.com/office/drawing/2014/main" id="{5BDF1648-354A-41BC-BECE-C3B00F6912EC}"/>
+              </a:ext>
+            </a:extLst>
+          </p:cNvPr>
+          <p:cNvSpPr txBox="1"/>
+          <p:nvPr/>
+        </p:nvSpPr>
+        <p:spPr>
+          <a:xfrm>
+            <a:off x="4314088" y="3304691"/>
+            <a:ext cx="878219" cy="369332"/>
+          </a:xfrm>
+          <a:prstGeom prst="rect">
+            <a:avLst/>
+          </a:prstGeom>
+          <a:solidFill>
+            <a:schemeClr val="bg1"/>
+          </a:solidFill>
+        </p:spPr>
+        <p:txBody>
+          <a:bodyPr wrap="square" rtlCol="0">
+            <a:spAutoFit/>
+          </a:bodyPr>
+          <a:lstStyle/>
+          <a:p>
+            <a:pPr algn="ctr"/>
+            <a:r>
+              <a:rPr lang="en-US" sz="900" dirty="0">
+                <a:latin typeface="Arial" panose="020B0604020202020204" pitchFamily="34" charset="0"/>
+                <a:cs typeface="Arial" panose="020B0604020202020204" pitchFamily="34" charset="0"/>
+              </a:rPr>
+              <a:t>Heated</a:t>
+            </a:r>
+          </a:p>
+          <a:p>
+            <a:pPr algn="ctr"/>
+            <a:r>
+              <a:rPr lang="en-US" sz="900" dirty="0">
+                <a:latin typeface="Arial" panose="020B0604020202020204" pitchFamily="34" charset="0"/>
+                <a:cs typeface="Arial" panose="020B0604020202020204" pitchFamily="34" charset="0"/>
+              </a:rPr>
+              <a:t>+ Desiccation</a:t>
+            </a:r>
+          </a:p>
+        </p:txBody>
+      </p:sp>
+      <p:sp>
+        <p:nvSpPr>
+          <p:cNvPr id="74" name="TextBox 73">
+            <a:extLst>
+              <a:ext uri="{FF2B5EF4-FFF2-40B4-BE49-F238E27FC236}">
+                <a16:creationId xmlns:a16="http://schemas.microsoft.com/office/drawing/2014/main" id="{30BD43B3-33B1-4971-B497-C96FD6EC013C}"/>
+              </a:ext>
+            </a:extLst>
+          </p:cNvPr>
+          <p:cNvSpPr txBox="1"/>
+          <p:nvPr/>
+        </p:nvSpPr>
+        <p:spPr>
+          <a:xfrm>
+            <a:off x="3844576" y="3297433"/>
+            <a:ext cx="622447" cy="230832"/>
+          </a:xfrm>
+          <a:prstGeom prst="rect">
+            <a:avLst/>
+          </a:prstGeom>
+          <a:solidFill>
+            <a:schemeClr val="bg1"/>
+          </a:solidFill>
+        </p:spPr>
+        <p:txBody>
+          <a:bodyPr wrap="square" rtlCol="0">
+            <a:spAutoFit/>
+          </a:bodyPr>
+          <a:lstStyle/>
+          <a:p>
+            <a:pPr algn="r"/>
+            <a:r>
+              <a:rPr lang="en-US" sz="900" dirty="0">
+                <a:latin typeface="Arial" panose="020B0604020202020204" pitchFamily="34" charset="0"/>
+                <a:cs typeface="Arial" panose="020B0604020202020204" pitchFamily="34" charset="0"/>
+              </a:rPr>
+              <a:t>Heated</a:t>
+            </a:r>
+          </a:p>
+        </p:txBody>
+      </p:sp>
+      <p:cxnSp>
+        <p:nvCxnSpPr>
+          <p:cNvPr id="75" name="Straight Connector 74">
+            <a:extLst>
+              <a:ext uri="{FF2B5EF4-FFF2-40B4-BE49-F238E27FC236}">
+                <a16:creationId xmlns:a16="http://schemas.microsoft.com/office/drawing/2014/main" id="{5930B755-781F-4865-9A7D-7361EA945D15}"/>
+              </a:ext>
+            </a:extLst>
+          </p:cNvPr>
+          <p:cNvCxnSpPr>
+            <a:cxnSpLocks/>
+          </p:cNvCxnSpPr>
+          <p:nvPr/>
+        </p:nvCxnSpPr>
+        <p:spPr>
+          <a:xfrm>
+            <a:off x="2863195" y="3738326"/>
+            <a:ext cx="1013206" cy="0"/>
+          </a:xfrm>
+          <a:prstGeom prst="line">
+            <a:avLst/>
+          </a:prstGeom>
+          <a:ln w="12700">
+            <a:solidFill>
+              <a:schemeClr val="tx1"/>
+            </a:solidFill>
+          </a:ln>
+        </p:spPr>
+        <p:style>
+          <a:lnRef idx="1">
+            <a:schemeClr val="dk1"/>
+          </a:lnRef>
+          <a:fillRef idx="0">
+            <a:schemeClr val="dk1"/>
+          </a:fillRef>
+          <a:effectRef idx="0">
+            <a:schemeClr val="dk1"/>
+          </a:effectRef>
+          <a:fontRef idx="minor">
+            <a:schemeClr val="tx1"/>
+          </a:fontRef>
+        </p:style>
+      </p:cxnSp>
+      <p:cxnSp>
+        <p:nvCxnSpPr>
+          <p:cNvPr id="76" name="Straight Connector 75">
+            <a:extLst>
+              <a:ext uri="{FF2B5EF4-FFF2-40B4-BE49-F238E27FC236}">
+                <a16:creationId xmlns:a16="http://schemas.microsoft.com/office/drawing/2014/main" id="{6CB6EDF7-0270-42D6-A2D0-9735F1F62A9D}"/>
+              </a:ext>
+            </a:extLst>
+          </p:cNvPr>
+          <p:cNvCxnSpPr>
+            <a:cxnSpLocks/>
+          </p:cNvCxnSpPr>
+          <p:nvPr/>
+        </p:nvCxnSpPr>
+        <p:spPr>
+          <a:xfrm>
+            <a:off x="4004380" y="3738326"/>
+            <a:ext cx="1013206" cy="0"/>
+          </a:xfrm>
+          <a:prstGeom prst="line">
+            <a:avLst/>
+          </a:prstGeom>
+          <a:ln w="12700">
+            <a:solidFill>
+              <a:schemeClr val="tx1"/>
+            </a:solidFill>
+          </a:ln>
+        </p:spPr>
+        <p:style>
+          <a:lnRef idx="1">
+            <a:schemeClr val="dk1"/>
+          </a:lnRef>
+          <a:fillRef idx="0">
+            <a:schemeClr val="dk1"/>
+          </a:fillRef>
+          <a:effectRef idx="0">
+            <a:schemeClr val="dk1"/>
+          </a:effectRef>
+          <a:fontRef idx="minor">
+            <a:schemeClr val="tx1"/>
+          </a:fontRef>
+        </p:style>
+      </p:cxnSp>
+      <p:cxnSp>
+        <p:nvCxnSpPr>
+          <p:cNvPr id="77" name="Straight Connector 76">
+            <a:extLst>
+              <a:ext uri="{FF2B5EF4-FFF2-40B4-BE49-F238E27FC236}">
+                <a16:creationId xmlns:a16="http://schemas.microsoft.com/office/drawing/2014/main" id="{95A2BAA3-C85B-4D54-B720-E28E59EBC731}"/>
+              </a:ext>
+            </a:extLst>
+          </p:cNvPr>
+          <p:cNvCxnSpPr>
+            <a:cxnSpLocks/>
+          </p:cNvCxnSpPr>
+          <p:nvPr/>
+        </p:nvCxnSpPr>
+        <p:spPr>
+          <a:xfrm>
+            <a:off x="1727452" y="3738326"/>
+            <a:ext cx="1013206" cy="0"/>
+          </a:xfrm>
+          <a:prstGeom prst="line">
+            <a:avLst/>
+          </a:prstGeom>
+          <a:ln w="12700">
+            <a:solidFill>
+              <a:schemeClr val="tx1"/>
+            </a:solidFill>
+          </a:ln>
+        </p:spPr>
+        <p:style>
+          <a:lnRef idx="1">
+            <a:schemeClr val="dk1"/>
+          </a:lnRef>
+          <a:fillRef idx="0">
+            <a:schemeClr val="dk1"/>
+          </a:fillRef>
+          <a:effectRef idx="0">
+            <a:schemeClr val="dk1"/>
+          </a:effectRef>
+          <a:fontRef idx="minor">
+            <a:schemeClr val="tx1"/>
+          </a:fontRef>
+        </p:style>
+      </p:cxnSp>
+      <p:sp>
+        <p:nvSpPr>
+          <p:cNvPr id="78" name="TextBox 77">
+            <a:extLst>
+              <a:ext uri="{FF2B5EF4-FFF2-40B4-BE49-F238E27FC236}">
+                <a16:creationId xmlns:a16="http://schemas.microsoft.com/office/drawing/2014/main" id="{A80009F3-E5D5-4CF4-AB77-BAE761B71064}"/>
+              </a:ext>
+            </a:extLst>
+          </p:cNvPr>
+          <p:cNvSpPr txBox="1"/>
+          <p:nvPr/>
+        </p:nvSpPr>
+        <p:spPr>
+          <a:xfrm>
+            <a:off x="1907046" y="3763722"/>
+            <a:ext cx="621361" cy="369332"/>
+          </a:xfrm>
+          <a:prstGeom prst="rect">
+            <a:avLst/>
+          </a:prstGeom>
+          <a:solidFill>
+            <a:schemeClr val="bg1"/>
+          </a:solidFill>
+        </p:spPr>
+        <p:txBody>
+          <a:bodyPr wrap="square" rtlCol="0">
+            <a:spAutoFit/>
+          </a:bodyPr>
+          <a:lstStyle/>
+          <a:p>
+            <a:pPr algn="ctr"/>
+            <a:r>
+              <a:rPr lang="en-US" sz="900" dirty="0">
+                <a:latin typeface="Arial" panose="020B0604020202020204" pitchFamily="34" charset="0"/>
+                <a:cs typeface="Arial" panose="020B0604020202020204" pitchFamily="34" charset="0"/>
+              </a:rPr>
+              <a:t>1d after stress</a:t>
+            </a:r>
+          </a:p>
+        </p:txBody>
+      </p:sp>
+      <p:sp>
+        <p:nvSpPr>
+          <p:cNvPr id="79" name="TextBox 78">
+            <a:extLst>
+              <a:ext uri="{FF2B5EF4-FFF2-40B4-BE49-F238E27FC236}">
+                <a16:creationId xmlns:a16="http://schemas.microsoft.com/office/drawing/2014/main" id="{2900F7B7-6330-4906-A451-92BAA2781140}"/>
+              </a:ext>
+            </a:extLst>
+          </p:cNvPr>
+          <p:cNvSpPr txBox="1"/>
+          <p:nvPr/>
+        </p:nvSpPr>
+        <p:spPr>
+          <a:xfrm>
+            <a:off x="5150987" y="680388"/>
+            <a:ext cx="647934" cy="276999"/>
+          </a:xfrm>
+          <a:prstGeom prst="rect">
+            <a:avLst/>
+          </a:prstGeom>
+          <a:solidFill>
+            <a:schemeClr val="bg1"/>
+          </a:solidFill>
+        </p:spPr>
+        <p:txBody>
+          <a:bodyPr wrap="none" rtlCol="0">
+            <a:spAutoFit/>
+          </a:bodyPr>
+          <a:lstStyle/>
+          <a:p>
+            <a:r>
+              <a:rPr lang="en-US" sz="1200" b="1" dirty="0">
+                <a:latin typeface="Arial" panose="020B0604020202020204" pitchFamily="34" charset="0"/>
+                <a:cs typeface="Arial" panose="020B0604020202020204" pitchFamily="34" charset="0"/>
+              </a:rPr>
+              <a:t>Ploidy</a:t>
+            </a:r>
+          </a:p>
+        </p:txBody>
+      </p:sp>
+      <p:sp>
+        <p:nvSpPr>
+          <p:cNvPr id="80" name="TextBox 79">
+            <a:extLst>
+              <a:ext uri="{FF2B5EF4-FFF2-40B4-BE49-F238E27FC236}">
+                <a16:creationId xmlns:a16="http://schemas.microsoft.com/office/drawing/2014/main" id="{8A363048-9EF6-4056-80B2-2A760243BA02}"/>
+              </a:ext>
+            </a:extLst>
+          </p:cNvPr>
+          <p:cNvSpPr txBox="1"/>
+          <p:nvPr/>
+        </p:nvSpPr>
+        <p:spPr>
+          <a:xfrm>
+            <a:off x="5407175" y="968911"/>
+            <a:ext cx="775582" cy="230832"/>
+          </a:xfrm>
+          <a:prstGeom prst="rect">
+            <a:avLst/>
+          </a:prstGeom>
+          <a:solidFill>
+            <a:schemeClr val="bg1"/>
+          </a:solidFill>
+        </p:spPr>
+        <p:txBody>
+          <a:bodyPr wrap="square" rtlCol="0">
+            <a:spAutoFit/>
+          </a:bodyPr>
+          <a:lstStyle/>
+          <a:p>
+            <a:pPr algn="ctr"/>
+            <a:r>
+              <a:rPr lang="en-US" sz="900" dirty="0">
+                <a:latin typeface="Arial" panose="020B0604020202020204" pitchFamily="34" charset="0"/>
+                <a:cs typeface="Arial" panose="020B0604020202020204" pitchFamily="34" charset="0"/>
+              </a:rPr>
+              <a:t>Diploid (2n)</a:t>
+            </a:r>
+          </a:p>
+        </p:txBody>
+      </p:sp>
+      <p:sp>
+        <p:nvSpPr>
+          <p:cNvPr id="81" name="TextBox 80">
+            <a:extLst>
+              <a:ext uri="{FF2B5EF4-FFF2-40B4-BE49-F238E27FC236}">
+                <a16:creationId xmlns:a16="http://schemas.microsoft.com/office/drawing/2014/main" id="{FE974D02-7E3C-4794-B022-28AFBCF08A84}"/>
+              </a:ext>
+            </a:extLst>
+          </p:cNvPr>
+          <p:cNvSpPr txBox="1"/>
+          <p:nvPr/>
+        </p:nvSpPr>
+        <p:spPr>
+          <a:xfrm>
+            <a:off x="5373588" y="1238664"/>
+            <a:ext cx="871117" cy="230832"/>
+          </a:xfrm>
+          <a:prstGeom prst="rect">
+            <a:avLst/>
+          </a:prstGeom>
+          <a:solidFill>
+            <a:schemeClr val="bg1"/>
+          </a:solidFill>
+        </p:spPr>
+        <p:txBody>
+          <a:bodyPr wrap="square" rtlCol="0">
+            <a:spAutoFit/>
+          </a:bodyPr>
+          <a:lstStyle/>
+          <a:p>
+            <a:pPr algn="ctr"/>
+            <a:r>
+              <a:rPr lang="en-US" sz="900" dirty="0">
+                <a:latin typeface="Arial" panose="020B0604020202020204" pitchFamily="34" charset="0"/>
+                <a:cs typeface="Arial" panose="020B0604020202020204" pitchFamily="34" charset="0"/>
+              </a:rPr>
+              <a:t>Triploid (3n)</a:t>
+            </a:r>
+          </a:p>
+        </p:txBody>
+      </p:sp>
+      <p:sp>
+        <p:nvSpPr>
+          <p:cNvPr id="82" name="Rectangle 81">
+            <a:extLst>
+              <a:ext uri="{FF2B5EF4-FFF2-40B4-BE49-F238E27FC236}">
+                <a16:creationId xmlns:a16="http://schemas.microsoft.com/office/drawing/2014/main" id="{32B8917A-C39D-414B-A228-7CD7484450CB}"/>
+              </a:ext>
+            </a:extLst>
+          </p:cNvPr>
+          <p:cNvSpPr>
+            <a:spLocks noChangeAspect="1"/>
+          </p:cNvSpPr>
+          <p:nvPr/>
+        </p:nvSpPr>
+        <p:spPr>
+          <a:xfrm>
+            <a:off x="5240523" y="982976"/>
+            <a:ext cx="182880" cy="182880"/>
+          </a:xfrm>
+          <a:prstGeom prst="rect">
+            <a:avLst/>
+          </a:prstGeom>
+          <a:solidFill>
+            <a:srgbClr val="4876FF"/>
+          </a:solidFill>
+          <a:ln>
+            <a:solidFill>
+              <a:schemeClr val="tx1"/>
+            </a:solidFill>
+          </a:ln>
+        </p:spPr>
+        <p:style>
+          <a:lnRef idx="2">
+            <a:schemeClr val="accent1">
+              <a:shade val="50000"/>
+            </a:schemeClr>
+          </a:lnRef>
+          <a:fillRef idx="1">
+            <a:schemeClr val="accent1"/>
+          </a:fillRef>
+          <a:effectRef idx="0">
+            <a:schemeClr val="accent1"/>
+          </a:effectRef>
+          <a:fontRef idx="minor">
+            <a:schemeClr val="lt1"/>
+          </a:fontRef>
+        </p:style>
+        <p:txBody>
+          <a:bodyPr rtlCol="0" anchor="ctr"/>
+          <a:lstStyle/>
+          <a:p>
+            <a:pPr algn="ctr"/>
+            <a:endParaRPr lang="en-US"/>
+          </a:p>
+        </p:txBody>
+      </p:sp>
+      <p:sp>
+        <p:nvSpPr>
+          <p:cNvPr id="83" name="Rectangle 82">
+            <a:extLst>
+              <a:ext uri="{FF2B5EF4-FFF2-40B4-BE49-F238E27FC236}">
+                <a16:creationId xmlns:a16="http://schemas.microsoft.com/office/drawing/2014/main" id="{E871CC6E-8D1E-4E9F-9AAE-866AB58AB319}"/>
+              </a:ext>
+            </a:extLst>
+          </p:cNvPr>
+          <p:cNvSpPr>
+            <a:spLocks noChangeAspect="1"/>
+          </p:cNvSpPr>
+          <p:nvPr/>
+        </p:nvSpPr>
+        <p:spPr>
+          <a:xfrm>
+            <a:off x="5240523" y="1261712"/>
+            <a:ext cx="182880" cy="182880"/>
+          </a:xfrm>
+          <a:prstGeom prst="rect">
+            <a:avLst/>
+          </a:prstGeom>
+          <a:solidFill>
+            <a:srgbClr val="FF4500"/>
+          </a:solidFill>
+          <a:ln>
+            <a:solidFill>
+              <a:schemeClr val="tx1"/>
+            </a:solidFill>
+          </a:ln>
+        </p:spPr>
+        <p:style>
+          <a:lnRef idx="2">
+            <a:schemeClr val="accent1">
+              <a:shade val="50000"/>
+            </a:schemeClr>
+          </a:lnRef>
+          <a:fillRef idx="1">
+            <a:schemeClr val="accent1"/>
+          </a:fillRef>
+          <a:effectRef idx="0">
+            <a:schemeClr val="accent1"/>
+          </a:effectRef>
+          <a:fontRef idx="minor">
+            <a:schemeClr val="lt1"/>
+          </a:fontRef>
+        </p:style>
+        <p:txBody>
+          <a:bodyPr rtlCol="0" anchor="ctr"/>
+          <a:lstStyle/>
+          <a:p>
+            <a:pPr algn="ctr"/>
+            <a:endParaRPr lang="en-US"/>
+          </a:p>
+        </p:txBody>
+      </p:sp>
+      <p:sp>
+        <p:nvSpPr>
+          <p:cNvPr id="84" name="TextBox 83">
+            <a:extLst>
+              <a:ext uri="{FF2B5EF4-FFF2-40B4-BE49-F238E27FC236}">
+                <a16:creationId xmlns:a16="http://schemas.microsoft.com/office/drawing/2014/main" id="{AE8F8346-0D62-457F-AA97-FA320C4E9B7E}"/>
+              </a:ext>
+            </a:extLst>
+          </p:cNvPr>
+          <p:cNvSpPr txBox="1"/>
+          <p:nvPr/>
+        </p:nvSpPr>
+        <p:spPr>
+          <a:xfrm>
+            <a:off x="3977034" y="383094"/>
+            <a:ext cx="1141659" cy="461665"/>
+          </a:xfrm>
+          <a:prstGeom prst="rect">
+            <a:avLst/>
+          </a:prstGeom>
+          <a:noFill/>
+        </p:spPr>
+        <p:txBody>
+          <a:bodyPr wrap="none" rtlCol="0">
+            <a:spAutoFit/>
+          </a:bodyPr>
+          <a:lstStyle/>
+          <a:p>
+            <a:pPr algn="r"/>
+            <a:r>
+              <a:rPr lang="en-US" sz="800" dirty="0">
+                <a:solidFill>
+                  <a:srgbClr val="000000"/>
+                </a:solidFill>
+                <a:latin typeface="Arial" panose="020B0604020202020204" pitchFamily="34" charset="0"/>
+                <a:cs typeface="Arial" panose="020B0604020202020204" pitchFamily="34" charset="0"/>
+              </a:rPr>
+              <a:t>ploidy: p&lt;0.001</a:t>
+            </a:r>
+          </a:p>
+          <a:p>
+            <a:pPr algn="r"/>
+            <a:r>
+              <a:rPr lang="en-US" sz="800" dirty="0">
+                <a:solidFill>
+                  <a:srgbClr val="000000"/>
+                </a:solidFill>
+                <a:latin typeface="Arial" panose="020B0604020202020204" pitchFamily="34" charset="0"/>
+                <a:cs typeface="Arial" panose="020B0604020202020204" pitchFamily="34" charset="0"/>
+              </a:rPr>
+              <a:t>time: p&lt;0.001</a:t>
+            </a:r>
+          </a:p>
+          <a:p>
+            <a:pPr algn="r"/>
+            <a:r>
+              <a:rPr lang="en-US" sz="800" dirty="0" err="1">
+                <a:solidFill>
+                  <a:srgbClr val="000000"/>
+                </a:solidFill>
+                <a:latin typeface="Arial" panose="020B0604020202020204" pitchFamily="34" charset="0"/>
+                <a:cs typeface="Arial" panose="020B0604020202020204" pitchFamily="34" charset="0"/>
+              </a:rPr>
+              <a:t>ploidy×time</a:t>
+            </a:r>
+            <a:r>
+              <a:rPr lang="en-US" sz="800" dirty="0">
+                <a:solidFill>
+                  <a:srgbClr val="000000"/>
+                </a:solidFill>
+                <a:latin typeface="Arial" panose="020B0604020202020204" pitchFamily="34" charset="0"/>
+                <a:cs typeface="Arial" panose="020B0604020202020204" pitchFamily="34" charset="0"/>
+              </a:rPr>
+              <a:t>: p=0.001</a:t>
+            </a:r>
+          </a:p>
+        </p:txBody>
+      </p:sp>
+      <p:sp>
+        <p:nvSpPr>
+          <p:cNvPr id="85" name="TextBox 84">
+            <a:extLst>
+              <a:ext uri="{FF2B5EF4-FFF2-40B4-BE49-F238E27FC236}">
+                <a16:creationId xmlns:a16="http://schemas.microsoft.com/office/drawing/2014/main" id="{6124F6EF-E2B0-4869-A24F-A4867B780D14}"/>
+              </a:ext>
+            </a:extLst>
+          </p:cNvPr>
+          <p:cNvSpPr txBox="1"/>
+          <p:nvPr/>
+        </p:nvSpPr>
+        <p:spPr>
+          <a:xfrm rot="16200000">
+            <a:off x="-580664" y="1558399"/>
+            <a:ext cx="2186909" cy="430887"/>
+          </a:xfrm>
+          <a:prstGeom prst="rect">
+            <a:avLst/>
+          </a:prstGeom>
+          <a:solidFill>
+            <a:schemeClr val="bg1"/>
+          </a:solidFill>
+        </p:spPr>
+        <p:txBody>
+          <a:bodyPr wrap="square" rtlCol="0">
+            <a:spAutoFit/>
+          </a:bodyPr>
+          <a:lstStyle/>
+          <a:p>
+            <a:pPr algn="ctr"/>
+            <a:r>
+              <a:rPr lang="en-US" sz="1100" dirty="0">
+                <a:latin typeface="Arial" panose="020B0604020202020204" pitchFamily="34" charset="0"/>
+                <a:cs typeface="Arial" panose="020B0604020202020204" pitchFamily="34" charset="0"/>
+              </a:rPr>
+              <a:t>Na</a:t>
+            </a:r>
+            <a:r>
+              <a:rPr lang="en-US" sz="1100" baseline="30000" dirty="0">
+                <a:latin typeface="Arial" panose="020B0604020202020204" pitchFamily="34" charset="0"/>
+                <a:cs typeface="Arial" panose="020B0604020202020204" pitchFamily="34" charset="0"/>
+              </a:rPr>
+              <a:t>+</a:t>
+            </a:r>
+            <a:r>
+              <a:rPr lang="en-US" sz="1100" dirty="0">
+                <a:latin typeface="Arial" panose="020B0604020202020204" pitchFamily="34" charset="0"/>
+                <a:cs typeface="Arial" panose="020B0604020202020204" pitchFamily="34" charset="0"/>
+              </a:rPr>
+              <a:t>/K</a:t>
+            </a:r>
+            <a:r>
+              <a:rPr lang="en-US" sz="1100" baseline="30000" dirty="0">
+                <a:latin typeface="Arial" panose="020B0604020202020204" pitchFamily="34" charset="0"/>
+                <a:cs typeface="Arial" panose="020B0604020202020204" pitchFamily="34" charset="0"/>
+              </a:rPr>
+              <a:t>+</a:t>
+            </a:r>
+            <a:r>
+              <a:rPr lang="en-US" sz="1100" dirty="0">
+                <a:latin typeface="Arial" panose="020B0604020202020204" pitchFamily="34" charset="0"/>
+                <a:cs typeface="Arial" panose="020B0604020202020204" pitchFamily="34" charset="0"/>
+              </a:rPr>
+              <a:t> ATPase Activity</a:t>
+            </a:r>
+          </a:p>
+          <a:p>
+            <a:pPr algn="ctr"/>
+            <a:r>
+              <a:rPr lang="en-US" sz="1100" dirty="0">
+                <a:latin typeface="Arial" panose="020B0604020202020204" pitchFamily="34" charset="0"/>
+                <a:cs typeface="Arial" panose="020B0604020202020204" pitchFamily="34" charset="0"/>
+              </a:rPr>
+              <a:t> (µmol ADP mg protein</a:t>
+            </a:r>
+            <a:r>
+              <a:rPr lang="en-US" sz="1100" baseline="30000" dirty="0">
+                <a:latin typeface="Arial" panose="020B0604020202020204" pitchFamily="34" charset="0"/>
+                <a:cs typeface="Arial" panose="020B0604020202020204" pitchFamily="34" charset="0"/>
+              </a:rPr>
+              <a:t>-1</a:t>
+            </a:r>
+            <a:r>
+              <a:rPr lang="en-US" sz="1100" dirty="0">
+                <a:latin typeface="Arial" panose="020B0604020202020204" pitchFamily="34" charset="0"/>
+                <a:cs typeface="Arial" panose="020B0604020202020204" pitchFamily="34" charset="0"/>
+              </a:rPr>
+              <a:t> h</a:t>
+            </a:r>
+            <a:r>
+              <a:rPr lang="en-US" sz="1100" baseline="30000" dirty="0">
+                <a:latin typeface="Arial" panose="020B0604020202020204" pitchFamily="34" charset="0"/>
+                <a:cs typeface="Arial" panose="020B0604020202020204" pitchFamily="34" charset="0"/>
+              </a:rPr>
+              <a:t>-1</a:t>
+            </a:r>
+            <a:r>
+              <a:rPr lang="en-US" sz="1100" dirty="0">
+                <a:latin typeface="Arial" panose="020B0604020202020204" pitchFamily="34" charset="0"/>
+                <a:cs typeface="Arial" panose="020B0604020202020204" pitchFamily="34" charset="0"/>
+              </a:rPr>
+              <a:t> )</a:t>
+            </a:r>
+          </a:p>
+        </p:txBody>
+      </p:sp>
+      <p:sp>
+        <p:nvSpPr>
+          <p:cNvPr id="86" name="TextBox 85">
+            <a:extLst>
+              <a:ext uri="{FF2B5EF4-FFF2-40B4-BE49-F238E27FC236}">
+                <a16:creationId xmlns:a16="http://schemas.microsoft.com/office/drawing/2014/main" id="{4A960CED-0C7F-461B-BDEA-07D1FBCEB0CF}"/>
+              </a:ext>
+            </a:extLst>
+          </p:cNvPr>
+          <p:cNvSpPr txBox="1"/>
+          <p:nvPr/>
+        </p:nvSpPr>
+        <p:spPr>
+          <a:xfrm>
+            <a:off x="1281206" y="397771"/>
+            <a:ext cx="255198" cy="246221"/>
+          </a:xfrm>
+          <a:prstGeom prst="rect">
+            <a:avLst/>
+          </a:prstGeom>
+          <a:solidFill>
+            <a:schemeClr val="bg1"/>
+          </a:solidFill>
+        </p:spPr>
+        <p:txBody>
+          <a:bodyPr wrap="none" rtlCol="0">
+            <a:spAutoFit/>
+          </a:bodyPr>
+          <a:lstStyle/>
+          <a:p>
+            <a:r>
+              <a:rPr lang="en-US" sz="1000" i="1" dirty="0">
+                <a:latin typeface="Arial" panose="020B0604020202020204" pitchFamily="34" charset="0"/>
+                <a:cs typeface="Arial" panose="020B0604020202020204" pitchFamily="34" charset="0"/>
+              </a:rPr>
+              <a:t>a</a:t>
+            </a:r>
+          </a:p>
+        </p:txBody>
+      </p:sp>
+      <p:sp>
+        <p:nvSpPr>
+          <p:cNvPr id="87" name="TextBox 86">
+            <a:extLst>
+              <a:ext uri="{FF2B5EF4-FFF2-40B4-BE49-F238E27FC236}">
+                <a16:creationId xmlns:a16="http://schemas.microsoft.com/office/drawing/2014/main" id="{999A0AEC-72C3-46D0-A620-207F95909F84}"/>
+              </a:ext>
+            </a:extLst>
+          </p:cNvPr>
+          <p:cNvSpPr txBox="1"/>
+          <p:nvPr/>
+        </p:nvSpPr>
+        <p:spPr>
+          <a:xfrm>
+            <a:off x="1031095" y="1093533"/>
+            <a:ext cx="335348" cy="253916"/>
+          </a:xfrm>
+          <a:prstGeom prst="rect">
+            <a:avLst/>
+          </a:prstGeom>
+          <a:noFill/>
+        </p:spPr>
+        <p:txBody>
+          <a:bodyPr wrap="none" rtlCol="0">
+            <a:spAutoFit/>
+          </a:bodyPr>
+          <a:lstStyle/>
+          <a:p>
+            <a:r>
+              <a:rPr lang="en-US" sz="1000" i="1" dirty="0">
+                <a:latin typeface="Arial" panose="020B0604020202020204" pitchFamily="34" charset="0"/>
+                <a:cs typeface="Arial" panose="020B0604020202020204" pitchFamily="34" charset="0"/>
+              </a:rPr>
+              <a:t>ab</a:t>
+            </a:r>
+          </a:p>
+        </p:txBody>
+      </p:sp>
+      <p:sp>
+        <p:nvSpPr>
+          <p:cNvPr id="88" name="TextBox 87">
+            <a:extLst>
+              <a:ext uri="{FF2B5EF4-FFF2-40B4-BE49-F238E27FC236}">
+                <a16:creationId xmlns:a16="http://schemas.microsoft.com/office/drawing/2014/main" id="{08C0BE4A-0785-427D-B35A-3BA5FB70BDB6}"/>
+              </a:ext>
+            </a:extLst>
+          </p:cNvPr>
+          <p:cNvSpPr txBox="1"/>
+          <p:nvPr/>
+        </p:nvSpPr>
+        <p:spPr>
+          <a:xfrm>
+            <a:off x="1613972" y="1007796"/>
+            <a:ext cx="402674" cy="253916"/>
+          </a:xfrm>
+          <a:prstGeom prst="rect">
+            <a:avLst/>
+          </a:prstGeom>
+          <a:noFill/>
+        </p:spPr>
+        <p:txBody>
+          <a:bodyPr wrap="none" rtlCol="0">
+            <a:spAutoFit/>
+          </a:bodyPr>
+          <a:lstStyle/>
+          <a:p>
+            <a:r>
+              <a:rPr lang="en-US" sz="1000" i="1" dirty="0" err="1">
+                <a:latin typeface="Arial" panose="020B0604020202020204" pitchFamily="34" charset="0"/>
+                <a:cs typeface="Arial" panose="020B0604020202020204" pitchFamily="34" charset="0"/>
+              </a:rPr>
+              <a:t>abc</a:t>
+            </a:r>
+            <a:endParaRPr lang="en-US" sz="1000" i="1" dirty="0">
+              <a:latin typeface="Arial" panose="020B0604020202020204" pitchFamily="34" charset="0"/>
+              <a:cs typeface="Arial" panose="020B0604020202020204" pitchFamily="34" charset="0"/>
+            </a:endParaRPr>
+          </a:p>
+        </p:txBody>
+      </p:sp>
+      <p:sp>
+        <p:nvSpPr>
+          <p:cNvPr id="89" name="TextBox 88">
+            <a:extLst>
+              <a:ext uri="{FF2B5EF4-FFF2-40B4-BE49-F238E27FC236}">
+                <a16:creationId xmlns:a16="http://schemas.microsoft.com/office/drawing/2014/main" id="{97569F92-79DA-4FDF-9A3C-5B2EA95B4B9A}"/>
+              </a:ext>
+            </a:extLst>
+          </p:cNvPr>
+          <p:cNvSpPr txBox="1"/>
+          <p:nvPr/>
+        </p:nvSpPr>
+        <p:spPr>
+          <a:xfrm>
+            <a:off x="1815309" y="753880"/>
+            <a:ext cx="402674" cy="253916"/>
+          </a:xfrm>
+          <a:prstGeom prst="rect">
+            <a:avLst/>
+          </a:prstGeom>
+          <a:noFill/>
+        </p:spPr>
+        <p:txBody>
+          <a:bodyPr wrap="none" rtlCol="0">
+            <a:spAutoFit/>
+          </a:bodyPr>
+          <a:lstStyle/>
+          <a:p>
+            <a:r>
+              <a:rPr lang="en-US" sz="1000" i="1" dirty="0" err="1">
+                <a:latin typeface="Arial" panose="020B0604020202020204" pitchFamily="34" charset="0"/>
+                <a:cs typeface="Arial" panose="020B0604020202020204" pitchFamily="34" charset="0"/>
+              </a:rPr>
+              <a:t>bcd</a:t>
+            </a:r>
+            <a:endParaRPr lang="en-US" sz="1000" i="1" dirty="0">
+              <a:latin typeface="Arial" panose="020B0604020202020204" pitchFamily="34" charset="0"/>
+              <a:cs typeface="Arial" panose="020B0604020202020204" pitchFamily="34" charset="0"/>
+            </a:endParaRPr>
+          </a:p>
+        </p:txBody>
+      </p:sp>
+      <p:sp>
+        <p:nvSpPr>
+          <p:cNvPr id="90" name="TextBox 89">
+            <a:extLst>
+              <a:ext uri="{FF2B5EF4-FFF2-40B4-BE49-F238E27FC236}">
+                <a16:creationId xmlns:a16="http://schemas.microsoft.com/office/drawing/2014/main" id="{7AB1F8F4-E88D-4BFA-90F0-9B4445DECB12}"/>
+              </a:ext>
+            </a:extLst>
+          </p:cNvPr>
+          <p:cNvSpPr txBox="1"/>
+          <p:nvPr/>
+        </p:nvSpPr>
+        <p:spPr>
+          <a:xfrm>
+            <a:off x="2233082" y="1928449"/>
+            <a:ext cx="296876" cy="253916"/>
+          </a:xfrm>
+          <a:prstGeom prst="rect">
+            <a:avLst/>
+          </a:prstGeom>
+          <a:noFill/>
+        </p:spPr>
+        <p:txBody>
+          <a:bodyPr wrap="none" rtlCol="0">
+            <a:spAutoFit/>
+          </a:bodyPr>
+          <a:lstStyle/>
+          <a:p>
+            <a:r>
+              <a:rPr lang="en-US" sz="1000" i="1" dirty="0" err="1">
+                <a:latin typeface="Arial" panose="020B0604020202020204" pitchFamily="34" charset="0"/>
+                <a:cs typeface="Arial" panose="020B0604020202020204" pitchFamily="34" charset="0"/>
+              </a:rPr>
+              <a:t>ef</a:t>
+            </a:r>
+            <a:endParaRPr lang="en-US" sz="1000" i="1" dirty="0">
+              <a:latin typeface="Arial" panose="020B0604020202020204" pitchFamily="34" charset="0"/>
+              <a:cs typeface="Arial" panose="020B0604020202020204" pitchFamily="34" charset="0"/>
+            </a:endParaRPr>
+          </a:p>
+        </p:txBody>
+      </p:sp>
+      <p:sp>
+        <p:nvSpPr>
+          <p:cNvPr id="91" name="TextBox 90">
+            <a:extLst>
+              <a:ext uri="{FF2B5EF4-FFF2-40B4-BE49-F238E27FC236}">
+                <a16:creationId xmlns:a16="http://schemas.microsoft.com/office/drawing/2014/main" id="{C9F4E87D-EB5B-42D5-9B1C-5E0BB02FDF56}"/>
+              </a:ext>
+            </a:extLst>
+          </p:cNvPr>
+          <p:cNvSpPr txBox="1"/>
+          <p:nvPr/>
+        </p:nvSpPr>
+        <p:spPr>
+          <a:xfrm>
+            <a:off x="2469872" y="2152723"/>
+            <a:ext cx="260008" cy="253916"/>
+          </a:xfrm>
+          <a:prstGeom prst="rect">
+            <a:avLst/>
+          </a:prstGeom>
+          <a:noFill/>
+        </p:spPr>
+        <p:txBody>
+          <a:bodyPr wrap="none" rtlCol="0">
+            <a:spAutoFit/>
+          </a:bodyPr>
+          <a:lstStyle/>
+          <a:p>
+            <a:r>
+              <a:rPr lang="en-US" sz="1000" i="1" dirty="0">
+                <a:latin typeface="Arial" panose="020B0604020202020204" pitchFamily="34" charset="0"/>
+                <a:cs typeface="Arial" panose="020B0604020202020204" pitchFamily="34" charset="0"/>
+              </a:rPr>
+              <a:t>g</a:t>
+            </a:r>
+          </a:p>
+        </p:txBody>
+      </p:sp>
+      <p:sp>
+        <p:nvSpPr>
+          <p:cNvPr id="92" name="TextBox 91">
+            <a:extLst>
+              <a:ext uri="{FF2B5EF4-FFF2-40B4-BE49-F238E27FC236}">
+                <a16:creationId xmlns:a16="http://schemas.microsoft.com/office/drawing/2014/main" id="{0E60C47E-19C8-41F2-8676-15842C6D9B7A}"/>
+              </a:ext>
+            </a:extLst>
+          </p:cNvPr>
+          <p:cNvSpPr txBox="1"/>
+          <p:nvPr/>
+        </p:nvSpPr>
+        <p:spPr>
+          <a:xfrm>
+            <a:off x="2718568" y="1674533"/>
+            <a:ext cx="439544" cy="253916"/>
+          </a:xfrm>
+          <a:prstGeom prst="rect">
+            <a:avLst/>
+          </a:prstGeom>
+          <a:noFill/>
+        </p:spPr>
+        <p:txBody>
+          <a:bodyPr wrap="none" rtlCol="0">
+            <a:spAutoFit/>
+          </a:bodyPr>
+          <a:lstStyle/>
+          <a:p>
+            <a:r>
+              <a:rPr lang="en-US" sz="1000" i="1" dirty="0" err="1">
+                <a:latin typeface="Arial" panose="020B0604020202020204" pitchFamily="34" charset="0"/>
+                <a:cs typeface="Arial" panose="020B0604020202020204" pitchFamily="34" charset="0"/>
+              </a:rPr>
+              <a:t>cdef</a:t>
+            </a:r>
+            <a:endParaRPr lang="en-US" sz="1000" i="1" dirty="0">
+              <a:latin typeface="Arial" panose="020B0604020202020204" pitchFamily="34" charset="0"/>
+              <a:cs typeface="Arial" panose="020B0604020202020204" pitchFamily="34" charset="0"/>
+            </a:endParaRPr>
+          </a:p>
+        </p:txBody>
+      </p:sp>
+      <p:sp>
+        <p:nvSpPr>
+          <p:cNvPr id="93" name="TextBox 92">
+            <a:extLst>
+              <a:ext uri="{FF2B5EF4-FFF2-40B4-BE49-F238E27FC236}">
+                <a16:creationId xmlns:a16="http://schemas.microsoft.com/office/drawing/2014/main" id="{63A8A791-FE41-4BBF-A13F-ACD4FBCC7A16}"/>
+              </a:ext>
+            </a:extLst>
+          </p:cNvPr>
+          <p:cNvSpPr txBox="1"/>
+          <p:nvPr/>
+        </p:nvSpPr>
+        <p:spPr>
+          <a:xfrm>
+            <a:off x="2973270" y="1786670"/>
+            <a:ext cx="402674" cy="253916"/>
+          </a:xfrm>
+          <a:prstGeom prst="rect">
+            <a:avLst/>
+          </a:prstGeom>
+          <a:noFill/>
+        </p:spPr>
+        <p:txBody>
+          <a:bodyPr wrap="none" rtlCol="0">
+            <a:spAutoFit/>
+          </a:bodyPr>
+          <a:lstStyle/>
+          <a:p>
+            <a:r>
+              <a:rPr lang="en-US" sz="1000" i="1" dirty="0" err="1">
+                <a:latin typeface="Arial" panose="020B0604020202020204" pitchFamily="34" charset="0"/>
+                <a:cs typeface="Arial" panose="020B0604020202020204" pitchFamily="34" charset="0"/>
+              </a:rPr>
+              <a:t>cde</a:t>
+            </a:r>
+            <a:endParaRPr lang="en-US" sz="1000" i="1" dirty="0">
+              <a:latin typeface="Arial" panose="020B0604020202020204" pitchFamily="34" charset="0"/>
+              <a:cs typeface="Arial" panose="020B0604020202020204" pitchFamily="34" charset="0"/>
+            </a:endParaRPr>
+          </a:p>
+        </p:txBody>
+      </p:sp>
+      <p:sp>
+        <p:nvSpPr>
+          <p:cNvPr id="94" name="TextBox 93">
+            <a:extLst>
+              <a:ext uri="{FF2B5EF4-FFF2-40B4-BE49-F238E27FC236}">
+                <a16:creationId xmlns:a16="http://schemas.microsoft.com/office/drawing/2014/main" id="{88369799-766D-4781-880C-1504593FA415}"/>
+              </a:ext>
+            </a:extLst>
+          </p:cNvPr>
+          <p:cNvSpPr txBox="1"/>
+          <p:nvPr/>
+        </p:nvSpPr>
+        <p:spPr>
+          <a:xfrm>
+            <a:off x="3383745" y="1727323"/>
+            <a:ext cx="296876" cy="253916"/>
+          </a:xfrm>
+          <a:prstGeom prst="rect">
+            <a:avLst/>
+          </a:prstGeom>
+          <a:noFill/>
+        </p:spPr>
+        <p:txBody>
+          <a:bodyPr wrap="none" rtlCol="0">
+            <a:spAutoFit/>
+          </a:bodyPr>
+          <a:lstStyle/>
+          <a:p>
+            <a:r>
+              <a:rPr lang="en-US" sz="1000" i="1" dirty="0" err="1">
+                <a:latin typeface="Arial" panose="020B0604020202020204" pitchFamily="34" charset="0"/>
+                <a:cs typeface="Arial" panose="020B0604020202020204" pitchFamily="34" charset="0"/>
+              </a:rPr>
+              <a:t>ef</a:t>
+            </a:r>
+            <a:endParaRPr lang="en-US" sz="1000" i="1" dirty="0">
+              <a:latin typeface="Arial" panose="020B0604020202020204" pitchFamily="34" charset="0"/>
+              <a:cs typeface="Arial" panose="020B0604020202020204" pitchFamily="34" charset="0"/>
+            </a:endParaRPr>
+          </a:p>
+        </p:txBody>
+      </p:sp>
+      <p:sp>
+        <p:nvSpPr>
+          <p:cNvPr id="95" name="TextBox 94">
+            <a:extLst>
+              <a:ext uri="{FF2B5EF4-FFF2-40B4-BE49-F238E27FC236}">
+                <a16:creationId xmlns:a16="http://schemas.microsoft.com/office/drawing/2014/main" id="{9DF8F6CA-915D-4665-B2B0-5F27F91DD777}"/>
+              </a:ext>
+            </a:extLst>
+          </p:cNvPr>
+          <p:cNvSpPr txBox="1"/>
+          <p:nvPr/>
+        </p:nvSpPr>
+        <p:spPr>
+          <a:xfrm>
+            <a:off x="3592883" y="1791626"/>
+            <a:ext cx="296876" cy="253916"/>
+          </a:xfrm>
+          <a:prstGeom prst="rect">
+            <a:avLst/>
+          </a:prstGeom>
+          <a:noFill/>
+        </p:spPr>
+        <p:txBody>
+          <a:bodyPr wrap="none" rtlCol="0">
+            <a:spAutoFit/>
+          </a:bodyPr>
+          <a:lstStyle/>
+          <a:p>
+            <a:r>
+              <a:rPr lang="en-US" sz="1000" i="1" dirty="0" err="1">
+                <a:latin typeface="Arial" panose="020B0604020202020204" pitchFamily="34" charset="0"/>
+                <a:cs typeface="Arial" panose="020B0604020202020204" pitchFamily="34" charset="0"/>
+              </a:rPr>
+              <a:t>fg</a:t>
+            </a:r>
+            <a:endParaRPr lang="en-US" sz="1000" i="1" dirty="0">
+              <a:latin typeface="Arial" panose="020B0604020202020204" pitchFamily="34" charset="0"/>
+              <a:cs typeface="Arial" panose="020B0604020202020204" pitchFamily="34" charset="0"/>
+            </a:endParaRPr>
+          </a:p>
+        </p:txBody>
+      </p:sp>
+      <p:sp>
+        <p:nvSpPr>
+          <p:cNvPr id="96" name="TextBox 95">
+            <a:extLst>
+              <a:ext uri="{FF2B5EF4-FFF2-40B4-BE49-F238E27FC236}">
+                <a16:creationId xmlns:a16="http://schemas.microsoft.com/office/drawing/2014/main" id="{CE39F03E-CD18-46C7-B730-E21F890823A7}"/>
+              </a:ext>
+            </a:extLst>
+          </p:cNvPr>
+          <p:cNvSpPr txBox="1"/>
+          <p:nvPr/>
+        </p:nvSpPr>
+        <p:spPr>
+          <a:xfrm>
+            <a:off x="3902529" y="1444592"/>
+            <a:ext cx="372218" cy="253916"/>
+          </a:xfrm>
+          <a:prstGeom prst="rect">
+            <a:avLst/>
+          </a:prstGeom>
+          <a:noFill/>
+        </p:spPr>
+        <p:txBody>
+          <a:bodyPr wrap="none" rtlCol="0">
+            <a:spAutoFit/>
+          </a:bodyPr>
+          <a:lstStyle/>
+          <a:p>
+            <a:r>
+              <a:rPr lang="en-US" sz="1000" i="1" dirty="0">
+                <a:latin typeface="Arial" panose="020B0604020202020204" pitchFamily="34" charset="0"/>
+                <a:cs typeface="Arial" panose="020B0604020202020204" pitchFamily="34" charset="0"/>
+              </a:rPr>
+              <a:t>def</a:t>
+            </a:r>
+          </a:p>
+        </p:txBody>
+      </p:sp>
+      <p:sp>
+        <p:nvSpPr>
+          <p:cNvPr id="97" name="TextBox 96">
+            <a:extLst>
+              <a:ext uri="{FF2B5EF4-FFF2-40B4-BE49-F238E27FC236}">
+                <a16:creationId xmlns:a16="http://schemas.microsoft.com/office/drawing/2014/main" id="{CA76BE4D-08C1-4BD5-BBA0-33A6BC839DFC}"/>
+              </a:ext>
+            </a:extLst>
+          </p:cNvPr>
+          <p:cNvSpPr txBox="1"/>
+          <p:nvPr/>
+        </p:nvSpPr>
+        <p:spPr>
+          <a:xfrm>
+            <a:off x="4128161" y="1231196"/>
+            <a:ext cx="402674" cy="253916"/>
+          </a:xfrm>
+          <a:prstGeom prst="rect">
+            <a:avLst/>
+          </a:prstGeom>
+          <a:noFill/>
+        </p:spPr>
+        <p:txBody>
+          <a:bodyPr wrap="none" rtlCol="0">
+            <a:spAutoFit/>
+          </a:bodyPr>
+          <a:lstStyle/>
+          <a:p>
+            <a:r>
+              <a:rPr lang="en-US" sz="1000" i="1" dirty="0" err="1">
+                <a:latin typeface="Arial" panose="020B0604020202020204" pitchFamily="34" charset="0"/>
+                <a:cs typeface="Arial" panose="020B0604020202020204" pitchFamily="34" charset="0"/>
+              </a:rPr>
+              <a:t>cde</a:t>
+            </a:r>
+            <a:endParaRPr lang="en-US" sz="1000" i="1" dirty="0">
+              <a:latin typeface="Arial" panose="020B0604020202020204" pitchFamily="34" charset="0"/>
+              <a:cs typeface="Arial" panose="020B0604020202020204" pitchFamily="34" charset="0"/>
+            </a:endParaRPr>
+          </a:p>
+        </p:txBody>
+      </p:sp>
+      <p:sp>
+        <p:nvSpPr>
+          <p:cNvPr id="98" name="TextBox 97">
+            <a:extLst>
+              <a:ext uri="{FF2B5EF4-FFF2-40B4-BE49-F238E27FC236}">
+                <a16:creationId xmlns:a16="http://schemas.microsoft.com/office/drawing/2014/main" id="{BC30BA52-0634-4FA3-B330-F29A83F726CD}"/>
+              </a:ext>
+            </a:extLst>
+          </p:cNvPr>
+          <p:cNvSpPr txBox="1"/>
+          <p:nvPr/>
+        </p:nvSpPr>
+        <p:spPr>
+          <a:xfrm>
+            <a:off x="4466392" y="830411"/>
+            <a:ext cx="402674" cy="253916"/>
+          </a:xfrm>
+          <a:prstGeom prst="rect">
+            <a:avLst/>
+          </a:prstGeom>
+          <a:solidFill>
+            <a:schemeClr val="bg1"/>
+          </a:solidFill>
+        </p:spPr>
+        <p:txBody>
+          <a:bodyPr wrap="none" rtlCol="0">
+            <a:spAutoFit/>
+          </a:bodyPr>
+          <a:lstStyle/>
+          <a:p>
+            <a:r>
+              <a:rPr lang="en-US" sz="1000" i="1" dirty="0" err="1">
+                <a:latin typeface="Arial" panose="020B0604020202020204" pitchFamily="34" charset="0"/>
+                <a:cs typeface="Arial" panose="020B0604020202020204" pitchFamily="34" charset="0"/>
+              </a:rPr>
+              <a:t>bcd</a:t>
+            </a:r>
+            <a:endParaRPr lang="en-US" sz="1000" i="1" dirty="0">
+              <a:latin typeface="Arial" panose="020B0604020202020204" pitchFamily="34" charset="0"/>
+              <a:cs typeface="Arial" panose="020B0604020202020204" pitchFamily="34" charset="0"/>
+            </a:endParaRPr>
+          </a:p>
+        </p:txBody>
+      </p:sp>
+      <p:sp>
+        <p:nvSpPr>
+          <p:cNvPr id="99" name="TextBox 98">
+            <a:extLst>
+              <a:ext uri="{FF2B5EF4-FFF2-40B4-BE49-F238E27FC236}">
+                <a16:creationId xmlns:a16="http://schemas.microsoft.com/office/drawing/2014/main" id="{CB36E2AC-A1EC-4DE0-B6F5-0861930B8C2D}"/>
+              </a:ext>
+            </a:extLst>
+          </p:cNvPr>
+          <p:cNvSpPr txBox="1"/>
+          <p:nvPr/>
+        </p:nvSpPr>
+        <p:spPr>
+          <a:xfrm>
+            <a:off x="4698785" y="1317634"/>
+            <a:ext cx="372218" cy="253916"/>
+          </a:xfrm>
+          <a:prstGeom prst="rect">
+            <a:avLst/>
+          </a:prstGeom>
+          <a:solidFill>
+            <a:schemeClr val="bg1"/>
+          </a:solidFill>
+        </p:spPr>
+        <p:txBody>
+          <a:bodyPr wrap="none" rtlCol="0">
+            <a:spAutoFit/>
+          </a:bodyPr>
+          <a:lstStyle/>
+          <a:p>
+            <a:r>
+              <a:rPr lang="en-US" sz="1000" i="1" dirty="0">
+                <a:latin typeface="Arial" panose="020B0604020202020204" pitchFamily="34" charset="0"/>
+                <a:cs typeface="Arial" panose="020B0604020202020204" pitchFamily="34" charset="0"/>
+              </a:rPr>
+              <a:t>def</a:t>
+            </a:r>
+          </a:p>
+        </p:txBody>
+      </p:sp>
+    </p:spTree>
+    <p:extLst>
+      <p:ext uri="{BB962C8B-B14F-4D97-AF65-F5344CB8AC3E}">
+        <p14:creationId xmlns:p14="http://schemas.microsoft.com/office/powerpoint/2010/main" val="3091191320"/>
       </p:ext>
     </p:extLst>
   </p:cSld>
